--- a/Hack 30 xTUES presentation.pptx
+++ b/Hack 30 xTUES presentation.pptx
@@ -7,13 +7,10 @@
   <p:sldIdLst>
     <p:sldId id="256" r:id="rId2"/>
     <p:sldId id="264" r:id="rId3"/>
-    <p:sldId id="258" r:id="rId4"/>
-    <p:sldId id="260" r:id="rId5"/>
-    <p:sldId id="261" r:id="rId6"/>
-    <p:sldId id="262" r:id="rId7"/>
-    <p:sldId id="263" r:id="rId8"/>
-    <p:sldId id="266" r:id="rId9"/>
-    <p:sldId id="265" r:id="rId10"/>
+    <p:sldId id="267" r:id="rId4"/>
+    <p:sldId id="263" r:id="rId5"/>
+    <p:sldId id="266" r:id="rId6"/>
+    <p:sldId id="265" r:id="rId7"/>
   </p:sldIdLst>
   <p:sldSz cx="12192000" cy="6858000"/>
   <p:notesSz cx="6858000" cy="9144000"/>
@@ -112,6 +109,11 @@
       </a:defRPr>
     </a:lvl9pPr>
   </p:defaultTextStyle>
+  <p:extLst>
+    <p:ext uri="{EFAFB233-063F-42B5-8137-9DF3F51BA10A}">
+      <p15:sldGuideLst xmlns:p15="http://schemas.microsoft.com/office/powerpoint/2012/main"/>
+    </p:ext>
+  </p:extLst>
 </p:presentation>
 </file>
 
@@ -7738,6 +7740,182 @@
   <p:clrMapOvr>
     <a:masterClrMapping/>
   </p:clrMapOvr>
+  <p:timing>
+    <p:tnLst>
+      <p:par>
+        <p:cTn id="1" dur="indefinite" restart="never" nodeType="tmRoot">
+          <p:childTnLst>
+            <p:seq concurrent="1" nextAc="seek">
+              <p:cTn id="2" dur="indefinite" nodeType="mainSeq">
+                <p:childTnLst>
+                  <p:par>
+                    <p:cTn id="3" fill="hold">
+                      <p:stCondLst>
+                        <p:cond delay="indefinite"/>
+                      </p:stCondLst>
+                      <p:childTnLst>
+                        <p:par>
+                          <p:cTn id="4" fill="hold">
+                            <p:stCondLst>
+                              <p:cond delay="0"/>
+                            </p:stCondLst>
+                            <p:childTnLst>
+                              <p:par>
+                                <p:cTn id="5" presetID="2" presetClass="entr" presetSubtype="4" fill="hold" grpId="0" nodeType="clickEffect">
+                                  <p:stCondLst>
+                                    <p:cond delay="500"/>
+                                  </p:stCondLst>
+                                  <p:childTnLst>
+                                    <p:set>
+                                      <p:cBhvr>
+                                        <p:cTn id="6" dur="1" fill="hold">
+                                          <p:stCondLst>
+                                            <p:cond delay="0"/>
+                                          </p:stCondLst>
+                                        </p:cTn>
+                                        <p:tgtEl>
+                                          <p:spTgt spid="2"/>
+                                        </p:tgtEl>
+                                        <p:attrNameLst>
+                                          <p:attrName>style.visibility</p:attrName>
+                                        </p:attrNameLst>
+                                      </p:cBhvr>
+                                      <p:to>
+                                        <p:strVal val="visible"/>
+                                      </p:to>
+                                    </p:set>
+                                    <p:anim calcmode="lin" valueType="num">
+                                      <p:cBhvr additive="base">
+                                        <p:cTn id="7" dur="1750" fill="hold"/>
+                                        <p:tgtEl>
+                                          <p:spTgt spid="2"/>
+                                        </p:tgtEl>
+                                        <p:attrNameLst>
+                                          <p:attrName>ppt_x</p:attrName>
+                                        </p:attrNameLst>
+                                      </p:cBhvr>
+                                      <p:tavLst>
+                                        <p:tav tm="0">
+                                          <p:val>
+                                            <p:strVal val="#ppt_x"/>
+                                          </p:val>
+                                        </p:tav>
+                                        <p:tav tm="100000">
+                                          <p:val>
+                                            <p:strVal val="#ppt_x"/>
+                                          </p:val>
+                                        </p:tav>
+                                      </p:tavLst>
+                                    </p:anim>
+                                    <p:anim calcmode="lin" valueType="num">
+                                      <p:cBhvr additive="base">
+                                        <p:cTn id="8" dur="1750" fill="hold"/>
+                                        <p:tgtEl>
+                                          <p:spTgt spid="2"/>
+                                        </p:tgtEl>
+                                        <p:attrNameLst>
+                                          <p:attrName>ppt_y</p:attrName>
+                                        </p:attrNameLst>
+                                      </p:cBhvr>
+                                      <p:tavLst>
+                                        <p:tav tm="0">
+                                          <p:val>
+                                            <p:strVal val="1+#ppt_h/2"/>
+                                          </p:val>
+                                        </p:tav>
+                                        <p:tav tm="100000">
+                                          <p:val>
+                                            <p:strVal val="#ppt_y"/>
+                                          </p:val>
+                                        </p:tav>
+                                      </p:tavLst>
+                                    </p:anim>
+                                  </p:childTnLst>
+                                </p:cTn>
+                              </p:par>
+                            </p:childTnLst>
+                          </p:cTn>
+                        </p:par>
+                        <p:par>
+                          <p:cTn id="9" fill="hold">
+                            <p:stCondLst>
+                              <p:cond delay="2250"/>
+                            </p:stCondLst>
+                            <p:childTnLst>
+                              <p:par>
+                                <p:cTn id="10" presetID="16" presetClass="entr" presetSubtype="21" fill="hold" nodeType="afterEffect">
+                                  <p:stCondLst>
+                                    <p:cond delay="500"/>
+                                  </p:stCondLst>
+                                  <p:childTnLst>
+                                    <p:set>
+                                      <p:cBhvr>
+                                        <p:cTn id="11" dur="1" fill="hold">
+                                          <p:stCondLst>
+                                            <p:cond delay="0"/>
+                                          </p:stCondLst>
+                                        </p:cTn>
+                                        <p:tgtEl>
+                                          <p:spTgt spid="3">
+                                            <p:txEl>
+                                              <p:pRg st="0" end="0"/>
+                                            </p:txEl>
+                                          </p:spTgt>
+                                        </p:tgtEl>
+                                        <p:attrNameLst>
+                                          <p:attrName>style.visibility</p:attrName>
+                                        </p:attrNameLst>
+                                      </p:cBhvr>
+                                      <p:to>
+                                        <p:strVal val="visible"/>
+                                      </p:to>
+                                    </p:set>
+                                    <p:animEffect transition="in" filter="barn(inVertical)">
+                                      <p:cBhvr>
+                                        <p:cTn id="12" dur="1250"/>
+                                        <p:tgtEl>
+                                          <p:spTgt spid="3">
+                                            <p:txEl>
+                                              <p:pRg st="0" end="0"/>
+                                            </p:txEl>
+                                          </p:spTgt>
+                                        </p:tgtEl>
+                                      </p:cBhvr>
+                                    </p:animEffect>
+                                  </p:childTnLst>
+                                </p:cTn>
+                              </p:par>
+                            </p:childTnLst>
+                          </p:cTn>
+                        </p:par>
+                      </p:childTnLst>
+                    </p:cTn>
+                  </p:par>
+                </p:childTnLst>
+              </p:cTn>
+              <p:prevCondLst>
+                <p:cond evt="onPrev" delay="0">
+                  <p:tgtEl>
+                    <p:sldTgt/>
+                  </p:tgtEl>
+                </p:cond>
+              </p:prevCondLst>
+              <p:nextCondLst>
+                <p:cond evt="onNext" delay="0">
+                  <p:tgtEl>
+                    <p:sldTgt/>
+                  </p:tgtEl>
+                </p:cond>
+              </p:nextCondLst>
+            </p:seq>
+          </p:childTnLst>
+        </p:cTn>
+      </p:par>
+    </p:tnLst>
+    <p:bldLst>
+      <p:bldP spid="2" grpId="0"/>
+    </p:bldLst>
+  </p:timing>
 </p:sld>
 </file>
 
@@ -7791,7 +7969,12 @@
             <p:ph idx="1"/>
           </p:nvPr>
         </p:nvSpPr>
-        <p:spPr/>
+        <p:spPr>
+          <a:xfrm>
+            <a:off x="2589212" y="2133600"/>
+            <a:ext cx="8915400" cy="4724400"/>
+          </a:xfrm>
+        </p:spPr>
         <p:txBody>
           <a:bodyPr/>
           <a:lstStyle/>
@@ -7802,7 +7985,7 @@
             </a:pPr>
             <a:r>
               <a:rPr lang="bg-BG" dirty="0" smtClean="0"/>
-              <a:t>Няколко вида герой.</a:t>
+              <a:t>Избор на герой.</a:t>
             </a:r>
           </a:p>
           <a:p>
@@ -7812,18 +7995,33 @@
             </a:pPr>
             <a:r>
               <a:rPr lang="bg-BG" dirty="0" smtClean="0"/>
-              <a:t>Цел на играта.</a:t>
-            </a:r>
-          </a:p>
-          <a:p>
-            <a:pPr>
-              <a:buFont typeface="Arial" panose="020B0604020202020204" pitchFamily="34" charset="0"/>
-              <a:buChar char="•"/>
-            </a:pPr>
+              <a:t>Цел </a:t>
+            </a:r>
             <a:r>
               <a:rPr lang="bg-BG" dirty="0" smtClean="0"/>
-              <a:t>Вид на играта.</a:t>
-            </a:r>
+              <a:t>на </a:t>
+            </a:r>
+            <a:r>
+              <a:rPr lang="bg-BG" dirty="0" smtClean="0"/>
+              <a:t>играта</a:t>
+            </a:r>
+            <a:r>
+              <a:rPr lang="en-US" dirty="0" smtClean="0"/>
+              <a:t> </a:t>
+            </a:r>
+            <a:r>
+              <a:rPr lang="bg-BG" dirty="0" smtClean="0"/>
+              <a:t>-</a:t>
+            </a:r>
+            <a:r>
+              <a:rPr lang="en-US" dirty="0" smtClean="0"/>
+              <a:t>  </a:t>
+            </a:r>
+            <a:r>
+              <a:rPr lang="bg-BG" dirty="0" smtClean="0"/>
+              <a:t>.</a:t>
+            </a:r>
+            <a:endParaRPr lang="en-US" dirty="0" smtClean="0"/>
           </a:p>
           <a:p>
             <a:pPr>
@@ -7840,6 +8038,92 @@
             <a:endParaRPr lang="bg-BG" dirty="0" smtClean="0"/>
           </a:p>
           <a:p>
+            <a:pPr>
+              <a:buFont typeface="Arial" panose="020B0604020202020204" pitchFamily="34" charset="0"/>
+              <a:buChar char="•"/>
+            </a:pPr>
+            <a:r>
+              <a:rPr lang="bg-BG" dirty="0" smtClean="0"/>
+              <a:t>Вид </a:t>
+            </a:r>
+            <a:r>
+              <a:rPr lang="bg-BG" dirty="0" smtClean="0"/>
+              <a:t>на </a:t>
+            </a:r>
+            <a:r>
+              <a:rPr lang="bg-BG" dirty="0" smtClean="0"/>
+              <a:t>играта – </a:t>
+            </a:r>
+            <a:r>
+              <a:rPr lang="en-US" dirty="0" smtClean="0"/>
+              <a:t>arcade </a:t>
+            </a:r>
+            <a:r>
+              <a:rPr lang="en-US" dirty="0" smtClean="0"/>
+              <a:t>video game</a:t>
+            </a:r>
+            <a:r>
+              <a:rPr lang="bg-BG" dirty="0" smtClean="0"/>
+              <a:t>.</a:t>
+            </a:r>
+            <a:endParaRPr lang="en-US" dirty="0" smtClean="0"/>
+          </a:p>
+          <a:p>
+            <a:pPr>
+              <a:buFont typeface="Arial" panose="020B0604020202020204" pitchFamily="34" charset="0"/>
+              <a:buChar char="•"/>
+            </a:pPr>
+            <a:endParaRPr lang="en-US" dirty="0" smtClean="0"/>
+          </a:p>
+          <a:p>
+            <a:pPr>
+              <a:buFont typeface="Arial" panose="020B0604020202020204" pitchFamily="34" charset="0"/>
+              <a:buChar char="•"/>
+            </a:pPr>
+            <a:endParaRPr lang="bg-BG" dirty="0" smtClean="0"/>
+          </a:p>
+          <a:p>
+            <a:pPr>
+              <a:buFont typeface="Arial" panose="020B0604020202020204" pitchFamily="34" charset="0"/>
+              <a:buChar char="•"/>
+            </a:pPr>
+            <a:r>
+              <a:rPr lang="bg-BG" dirty="0" smtClean="0"/>
+              <a:t>Използва машини от Втората Световна Война</a:t>
+            </a:r>
+            <a:r>
+              <a:rPr lang="en-US" dirty="0" smtClean="0"/>
+              <a:t>.</a:t>
+            </a:r>
+          </a:p>
+          <a:p>
+            <a:pPr marL="0" indent="0">
+              <a:buNone/>
+            </a:pPr>
+            <a:endParaRPr lang="en-US" dirty="0" smtClean="0"/>
+          </a:p>
+          <a:p>
+            <a:pPr>
+              <a:buFont typeface="Arial" panose="020B0604020202020204" pitchFamily="34" charset="0"/>
+              <a:buChar char="•"/>
+            </a:pPr>
+            <a:endParaRPr lang="bg-BG" dirty="0" smtClean="0"/>
+          </a:p>
+          <a:p>
+            <a:pPr>
+              <a:buFont typeface="Arial" panose="020B0604020202020204" pitchFamily="34" charset="0"/>
+              <a:buChar char="•"/>
+            </a:pPr>
+            <a:endParaRPr lang="bg-BG" dirty="0" smtClean="0"/>
+          </a:p>
+          <a:p>
+            <a:pPr>
+              <a:buFont typeface="Arial" panose="020B0604020202020204" pitchFamily="34" charset="0"/>
+              <a:buChar char="•"/>
+            </a:pPr>
+            <a:endParaRPr lang="bg-BG" dirty="0" smtClean="0"/>
+          </a:p>
+          <a:p>
             <a:pPr marL="0" indent="0">
               <a:buNone/>
             </a:pPr>
@@ -7847,6 +8131,30 @@
           </a:p>
         </p:txBody>
       </p:sp>
+      <p:pic>
+        <p:nvPicPr>
+          <p:cNvPr id="5" name="Picture 4"/>
+          <p:cNvPicPr>
+            <a:picLocks noChangeAspect="1"/>
+          </p:cNvPicPr>
+          <p:nvPr/>
+        </p:nvPicPr>
+        <p:blipFill>
+          <a:blip r:embed="rId2"/>
+          <a:stretch>
+            <a:fillRect/>
+          </a:stretch>
+        </p:blipFill>
+        <p:spPr>
+          <a:xfrm>
+            <a:off x="8576092" y="4146998"/>
+            <a:ext cx="3438421" cy="2541900"/>
+          </a:xfrm>
+          <a:prstGeom prst="rect">
+            <a:avLst/>
+          </a:prstGeom>
+        </p:spPr>
+      </p:pic>
     </p:spTree>
     <p:extLst>
       <p:ext uri="{BB962C8B-B14F-4D97-AF65-F5344CB8AC3E}">
@@ -7857,6 +8165,372 @@
   <p:clrMapOvr>
     <a:masterClrMapping/>
   </p:clrMapOvr>
+  <p:timing>
+    <p:tnLst>
+      <p:par>
+        <p:cTn id="1" dur="indefinite" restart="never" nodeType="tmRoot">
+          <p:childTnLst>
+            <p:seq concurrent="1" nextAc="seek">
+              <p:cTn id="2" dur="indefinite" nodeType="mainSeq">
+                <p:childTnLst>
+                  <p:par>
+                    <p:cTn id="3" fill="hold">
+                      <p:stCondLst>
+                        <p:cond delay="indefinite"/>
+                      </p:stCondLst>
+                      <p:childTnLst>
+                        <p:par>
+                          <p:cTn id="4" fill="hold">
+                            <p:stCondLst>
+                              <p:cond delay="0"/>
+                            </p:stCondLst>
+                            <p:childTnLst>
+                              <p:par>
+                                <p:cTn id="5" presetID="6" presetClass="entr" presetSubtype="16" fill="hold" grpId="0" nodeType="clickEffect">
+                                  <p:stCondLst>
+                                    <p:cond delay="0"/>
+                                  </p:stCondLst>
+                                  <p:childTnLst>
+                                    <p:set>
+                                      <p:cBhvr>
+                                        <p:cTn id="6" dur="1" fill="hold">
+                                          <p:stCondLst>
+                                            <p:cond delay="0"/>
+                                          </p:stCondLst>
+                                        </p:cTn>
+                                        <p:tgtEl>
+                                          <p:spTgt spid="2"/>
+                                        </p:tgtEl>
+                                        <p:attrNameLst>
+                                          <p:attrName>style.visibility</p:attrName>
+                                        </p:attrNameLst>
+                                      </p:cBhvr>
+                                      <p:to>
+                                        <p:strVal val="visible"/>
+                                      </p:to>
+                                    </p:set>
+                                    <p:animEffect transition="in" filter="circle(in)">
+                                      <p:cBhvr>
+                                        <p:cTn id="7" dur="2250"/>
+                                        <p:tgtEl>
+                                          <p:spTgt spid="2"/>
+                                        </p:tgtEl>
+                                      </p:cBhvr>
+                                    </p:animEffect>
+                                  </p:childTnLst>
+                                </p:cTn>
+                              </p:par>
+                            </p:childTnLst>
+                          </p:cTn>
+                        </p:par>
+                      </p:childTnLst>
+                    </p:cTn>
+                  </p:par>
+                  <p:par>
+                    <p:cTn id="8" fill="hold">
+                      <p:stCondLst>
+                        <p:cond delay="indefinite"/>
+                      </p:stCondLst>
+                      <p:childTnLst>
+                        <p:par>
+                          <p:cTn id="9" fill="hold">
+                            <p:stCondLst>
+                              <p:cond delay="0"/>
+                            </p:stCondLst>
+                            <p:childTnLst>
+                              <p:par>
+                                <p:cTn id="10" presetID="16" presetClass="entr" presetSubtype="21" fill="hold" grpId="0" nodeType="clickEffect">
+                                  <p:stCondLst>
+                                    <p:cond delay="0"/>
+                                  </p:stCondLst>
+                                  <p:childTnLst>
+                                    <p:set>
+                                      <p:cBhvr>
+                                        <p:cTn id="11" dur="1" fill="hold">
+                                          <p:stCondLst>
+                                            <p:cond delay="0"/>
+                                          </p:stCondLst>
+                                        </p:cTn>
+                                        <p:tgtEl>
+                                          <p:spTgt spid="3">
+                                            <p:txEl>
+                                              <p:pRg st="0" end="0"/>
+                                            </p:txEl>
+                                          </p:spTgt>
+                                        </p:tgtEl>
+                                        <p:attrNameLst>
+                                          <p:attrName>style.visibility</p:attrName>
+                                        </p:attrNameLst>
+                                      </p:cBhvr>
+                                      <p:to>
+                                        <p:strVal val="visible"/>
+                                      </p:to>
+                                    </p:set>
+                                    <p:animEffect transition="in" filter="barn(inVertical)">
+                                      <p:cBhvr>
+                                        <p:cTn id="12" dur="1500"/>
+                                        <p:tgtEl>
+                                          <p:spTgt spid="3">
+                                            <p:txEl>
+                                              <p:pRg st="0" end="0"/>
+                                            </p:txEl>
+                                          </p:spTgt>
+                                        </p:tgtEl>
+                                      </p:cBhvr>
+                                    </p:animEffect>
+                                  </p:childTnLst>
+                                </p:cTn>
+                              </p:par>
+                            </p:childTnLst>
+                          </p:cTn>
+                        </p:par>
+                      </p:childTnLst>
+                    </p:cTn>
+                  </p:par>
+                  <p:par>
+                    <p:cTn id="13" fill="hold">
+                      <p:stCondLst>
+                        <p:cond delay="indefinite"/>
+                      </p:stCondLst>
+                      <p:childTnLst>
+                        <p:par>
+                          <p:cTn id="14" fill="hold">
+                            <p:stCondLst>
+                              <p:cond delay="0"/>
+                            </p:stCondLst>
+                            <p:childTnLst>
+                              <p:par>
+                                <p:cTn id="15" presetID="16" presetClass="entr" presetSubtype="21" fill="hold" grpId="0" nodeType="clickEffect">
+                                  <p:stCondLst>
+                                    <p:cond delay="0"/>
+                                  </p:stCondLst>
+                                  <p:childTnLst>
+                                    <p:set>
+                                      <p:cBhvr>
+                                        <p:cTn id="16" dur="1" fill="hold">
+                                          <p:stCondLst>
+                                            <p:cond delay="0"/>
+                                          </p:stCondLst>
+                                        </p:cTn>
+                                        <p:tgtEl>
+                                          <p:spTgt spid="3">
+                                            <p:txEl>
+                                              <p:pRg st="1" end="1"/>
+                                            </p:txEl>
+                                          </p:spTgt>
+                                        </p:tgtEl>
+                                        <p:attrNameLst>
+                                          <p:attrName>style.visibility</p:attrName>
+                                        </p:attrNameLst>
+                                      </p:cBhvr>
+                                      <p:to>
+                                        <p:strVal val="visible"/>
+                                      </p:to>
+                                    </p:set>
+                                    <p:animEffect transition="in" filter="barn(inVertical)">
+                                      <p:cBhvr>
+                                        <p:cTn id="17" dur="1000"/>
+                                        <p:tgtEl>
+                                          <p:spTgt spid="3">
+                                            <p:txEl>
+                                              <p:pRg st="1" end="1"/>
+                                            </p:txEl>
+                                          </p:spTgt>
+                                        </p:tgtEl>
+                                      </p:cBhvr>
+                                    </p:animEffect>
+                                  </p:childTnLst>
+                                </p:cTn>
+                              </p:par>
+                            </p:childTnLst>
+                          </p:cTn>
+                        </p:par>
+                      </p:childTnLst>
+                    </p:cTn>
+                  </p:par>
+                  <p:par>
+                    <p:cTn id="18" fill="hold">
+                      <p:stCondLst>
+                        <p:cond delay="indefinite"/>
+                      </p:stCondLst>
+                      <p:childTnLst>
+                        <p:par>
+                          <p:cTn id="19" fill="hold">
+                            <p:stCondLst>
+                              <p:cond delay="0"/>
+                            </p:stCondLst>
+                            <p:childTnLst>
+                              <p:par>
+                                <p:cTn id="20" presetID="16" presetClass="entr" presetSubtype="21" fill="hold" grpId="0" nodeType="clickEffect">
+                                  <p:stCondLst>
+                                    <p:cond delay="0"/>
+                                  </p:stCondLst>
+                                  <p:childTnLst>
+                                    <p:set>
+                                      <p:cBhvr>
+                                        <p:cTn id="21" dur="1" fill="hold">
+                                          <p:stCondLst>
+                                            <p:cond delay="0"/>
+                                          </p:stCondLst>
+                                        </p:cTn>
+                                        <p:tgtEl>
+                                          <p:spTgt spid="3">
+                                            <p:txEl>
+                                              <p:pRg st="4" end="4"/>
+                                            </p:txEl>
+                                          </p:spTgt>
+                                        </p:tgtEl>
+                                        <p:attrNameLst>
+                                          <p:attrName>style.visibility</p:attrName>
+                                        </p:attrNameLst>
+                                      </p:cBhvr>
+                                      <p:to>
+                                        <p:strVal val="visible"/>
+                                      </p:to>
+                                    </p:set>
+                                    <p:animEffect transition="in" filter="barn(inVertical)">
+                                      <p:cBhvr>
+                                        <p:cTn id="22" dur="1000"/>
+                                        <p:tgtEl>
+                                          <p:spTgt spid="3">
+                                            <p:txEl>
+                                              <p:pRg st="4" end="4"/>
+                                            </p:txEl>
+                                          </p:spTgt>
+                                        </p:tgtEl>
+                                      </p:cBhvr>
+                                    </p:animEffect>
+                                  </p:childTnLst>
+                                </p:cTn>
+                              </p:par>
+                            </p:childTnLst>
+                          </p:cTn>
+                        </p:par>
+                      </p:childTnLst>
+                    </p:cTn>
+                  </p:par>
+                  <p:par>
+                    <p:cTn id="23" fill="hold">
+                      <p:stCondLst>
+                        <p:cond delay="indefinite"/>
+                      </p:stCondLst>
+                      <p:childTnLst>
+                        <p:par>
+                          <p:cTn id="24" fill="hold">
+                            <p:stCondLst>
+                              <p:cond delay="0"/>
+                            </p:stCondLst>
+                            <p:childTnLst>
+                              <p:par>
+                                <p:cTn id="25" presetID="16" presetClass="entr" presetSubtype="21" fill="hold" grpId="0" nodeType="clickEffect">
+                                  <p:stCondLst>
+                                    <p:cond delay="1000"/>
+                                  </p:stCondLst>
+                                  <p:childTnLst>
+                                    <p:set>
+                                      <p:cBhvr>
+                                        <p:cTn id="26" dur="1" fill="hold">
+                                          <p:stCondLst>
+                                            <p:cond delay="0"/>
+                                          </p:stCondLst>
+                                        </p:cTn>
+                                        <p:tgtEl>
+                                          <p:spTgt spid="3">
+                                            <p:txEl>
+                                              <p:pRg st="7" end="7"/>
+                                            </p:txEl>
+                                          </p:spTgt>
+                                        </p:tgtEl>
+                                        <p:attrNameLst>
+                                          <p:attrName>style.visibility</p:attrName>
+                                        </p:attrNameLst>
+                                      </p:cBhvr>
+                                      <p:to>
+                                        <p:strVal val="visible"/>
+                                      </p:to>
+                                    </p:set>
+                                    <p:animEffect transition="in" filter="barn(inVertical)">
+                                      <p:cBhvr>
+                                        <p:cTn id="27" dur="500"/>
+                                        <p:tgtEl>
+                                          <p:spTgt spid="3">
+                                            <p:txEl>
+                                              <p:pRg st="7" end="7"/>
+                                            </p:txEl>
+                                          </p:spTgt>
+                                        </p:tgtEl>
+                                      </p:cBhvr>
+                                    </p:animEffect>
+                                  </p:childTnLst>
+                                </p:cTn>
+                              </p:par>
+                              <p:par>
+                                <p:cTn id="28" presetID="16" presetClass="entr" presetSubtype="21" fill="hold" nodeType="withEffect">
+                                  <p:stCondLst>
+                                    <p:cond delay="1000"/>
+                                  </p:stCondLst>
+                                  <p:childTnLst>
+                                    <p:set>
+                                      <p:cBhvr>
+                                        <p:cTn id="29" dur="1" fill="hold">
+                                          <p:stCondLst>
+                                            <p:cond delay="0"/>
+                                          </p:stCondLst>
+                                        </p:cTn>
+                                        <p:tgtEl>
+                                          <p:spTgt spid="5"/>
+                                        </p:tgtEl>
+                                        <p:attrNameLst>
+                                          <p:attrName>style.visibility</p:attrName>
+                                        </p:attrNameLst>
+                                      </p:cBhvr>
+                                      <p:to>
+                                        <p:strVal val="visible"/>
+                                      </p:to>
+                                    </p:set>
+                                    <p:animEffect transition="in" filter="barn(inVertical)">
+                                      <p:cBhvr>
+                                        <p:cTn id="30" dur="500"/>
+                                        <p:tgtEl>
+                                          <p:spTgt spid="5"/>
+                                        </p:tgtEl>
+                                      </p:cBhvr>
+                                    </p:animEffect>
+                                  </p:childTnLst>
+                                </p:cTn>
+                              </p:par>
+                            </p:childTnLst>
+                          </p:cTn>
+                        </p:par>
+                      </p:childTnLst>
+                    </p:cTn>
+                  </p:par>
+                </p:childTnLst>
+              </p:cTn>
+              <p:prevCondLst>
+                <p:cond evt="onPrev" delay="0">
+                  <p:tgtEl>
+                    <p:sldTgt/>
+                  </p:tgtEl>
+                </p:cond>
+              </p:prevCondLst>
+              <p:nextCondLst>
+                <p:cond evt="onNext" delay="0">
+                  <p:tgtEl>
+                    <p:sldTgt/>
+                  </p:tgtEl>
+                </p:cond>
+              </p:nextCondLst>
+            </p:seq>
+          </p:childTnLst>
+        </p:cTn>
+      </p:par>
+    </p:tnLst>
+    <p:bldLst>
+      <p:bldP spid="2" grpId="0"/>
+      <p:bldP spid="3" grpId="0" uiExpand="1" build="p"/>
+    </p:bldLst>
+  </p:timing>
 </p:sld>
 </file>
 
@@ -7879,7 +8553,7 @@
       </p:grpSpPr>
       <p:sp>
         <p:nvSpPr>
-          <p:cNvPr id="4" name="Title 3"/>
+          <p:cNvPr id="2" name="Title 1"/>
           <p:cNvSpPr>
             <a:spLocks noGrp="1"/>
           </p:cNvSpPr>
@@ -7894,7 +8568,7 @@
           <a:p>
             <a:r>
               <a:rPr lang="bg-BG" dirty="0" smtClean="0"/>
-              <a:t>Атрактивна</a:t>
+              <a:t>Защо бихте избрали нашата игра</a:t>
             </a:r>
             <a:endParaRPr lang="bg-BG" dirty="0"/>
           </a:p>
@@ -7902,24 +8576,12 @@
       </p:sp>
       <p:sp>
         <p:nvSpPr>
-          <p:cNvPr id="5" name="Picture Placeholder 4"/>
-          <p:cNvSpPr>
-            <a:spLocks noGrp="1"/>
-          </p:cNvSpPr>
-          <p:nvPr>
-            <p:ph type="pic" idx="1"/>
-          </p:nvPr>
-        </p:nvSpPr>
-        <p:spPr/>
-      </p:sp>
-      <p:sp>
-        <p:nvSpPr>
-          <p:cNvPr id="6" name="Text Placeholder 5"/>
-          <p:cNvSpPr>
-            <a:spLocks noGrp="1"/>
-          </p:cNvSpPr>
-          <p:nvPr>
-            <p:ph type="body" sz="half" idx="2"/>
+          <p:cNvPr id="3" name="Content Placeholder 2"/>
+          <p:cNvSpPr>
+            <a:spLocks noGrp="1"/>
+          </p:cNvSpPr>
+          <p:nvPr>
+            <p:ph idx="1"/>
           </p:nvPr>
         </p:nvSpPr>
         <p:spPr/>
@@ -7927,20 +8589,75 @@
           <a:bodyPr/>
           <a:lstStyle/>
           <a:p>
-            <a:endParaRPr lang="bg-BG"/>
+            <a:pPr>
+              <a:buFont typeface="+mj-lt"/>
+              <a:buAutoNum type="arabicPeriod"/>
+            </a:pPr>
+            <a:r>
+              <a:rPr lang="bg-BG" dirty="0" smtClean="0"/>
+              <a:t>Атрактивна</a:t>
+            </a:r>
+          </a:p>
+          <a:p>
+            <a:pPr>
+              <a:buFont typeface="+mj-lt"/>
+              <a:buAutoNum type="arabicPeriod"/>
+            </a:pPr>
+            <a:r>
+              <a:rPr lang="bg-BG" dirty="0" smtClean="0"/>
+              <a:t>Занимателна</a:t>
+            </a:r>
+          </a:p>
+          <a:p>
+            <a:pPr>
+              <a:buFont typeface="+mj-lt"/>
+              <a:buAutoNum type="arabicPeriod"/>
+            </a:pPr>
+            <a:r>
+              <a:rPr lang="bg-BG" dirty="0" smtClean="0"/>
+              <a:t>Лесни контроли</a:t>
+            </a:r>
+          </a:p>
+          <a:p>
+            <a:pPr>
+              <a:buFont typeface="+mj-lt"/>
+              <a:buAutoNum type="arabicPeriod"/>
+            </a:pPr>
+            <a:r>
+              <a:rPr lang="bg-BG" dirty="0" smtClean="0"/>
+              <a:t>Зарибяваща</a:t>
+            </a:r>
+          </a:p>
+          <a:p>
+            <a:pPr>
+              <a:buFont typeface="+mj-lt"/>
+              <a:buAutoNum type="arabicPeriod"/>
+            </a:pPr>
+            <a:r>
+              <a:rPr lang="bg-BG" dirty="0" smtClean="0"/>
+              <a:t>Образователна</a:t>
+            </a:r>
+            <a:endParaRPr lang="bg-BG" dirty="0"/>
           </a:p>
         </p:txBody>
       </p:sp>
     </p:spTree>
     <p:extLst>
       <p:ext uri="{BB962C8B-B14F-4D97-AF65-F5344CB8AC3E}">
-        <p14:creationId xmlns:p14="http://schemas.microsoft.com/office/powerpoint/2010/main" val="1787604274"/>
+        <p14:creationId xmlns:p14="http://schemas.microsoft.com/office/powerpoint/2010/main" val="1715638837"/>
       </p:ext>
     </p:extLst>
   </p:cSld>
   <p:clrMapOvr>
     <a:masterClrMapping/>
   </p:clrMapOvr>
+  <p:timing>
+    <p:tnLst>
+      <p:par>
+        <p:cTn id="1" dur="indefinite" restart="never" nodeType="tmRoot"/>
+      </p:par>
+    </p:tnLst>
+  </p:timing>
 </p:sld>
 </file>
 
@@ -7963,7 +8680,7 @@
       </p:grpSpPr>
       <p:sp>
         <p:nvSpPr>
-          <p:cNvPr id="2" name="Title 1"/>
+          <p:cNvPr id="5" name="Title 4"/>
           <p:cNvSpPr>
             <a:spLocks noGrp="1"/>
           </p:cNvSpPr>
@@ -7978,7 +8695,7 @@
           <a:p>
             <a:r>
               <a:rPr lang="bg-BG" dirty="0" smtClean="0"/>
-              <a:t>Занимателна</a:t>
+              <a:t>Как тази игра е свързана с темата</a:t>
             </a:r>
             <a:endParaRPr lang="bg-BG" dirty="0"/>
           </a:p>
@@ -7986,45 +8703,121 @@
       </p:sp>
       <p:sp>
         <p:nvSpPr>
-          <p:cNvPr id="3" name="Picture Placeholder 2"/>
-          <p:cNvSpPr>
-            <a:spLocks noGrp="1"/>
-          </p:cNvSpPr>
-          <p:nvPr>
-            <p:ph type="pic" idx="1"/>
-          </p:nvPr>
-        </p:nvSpPr>
-        <p:spPr/>
-      </p:sp>
-      <p:sp>
-        <p:nvSpPr>
-          <p:cNvPr id="4" name="Text Placeholder 3"/>
-          <p:cNvSpPr>
-            <a:spLocks noGrp="1"/>
-          </p:cNvSpPr>
-          <p:nvPr>
-            <p:ph type="body" sz="half" idx="2"/>
-          </p:nvPr>
-        </p:nvSpPr>
-        <p:spPr/>
+          <p:cNvPr id="6" name="Content Placeholder 5"/>
+          <p:cNvSpPr>
+            <a:spLocks noGrp="1"/>
+          </p:cNvSpPr>
+          <p:nvPr>
+            <p:ph idx="1"/>
+          </p:nvPr>
+        </p:nvSpPr>
+        <p:spPr>
+          <a:xfrm>
+            <a:off x="2589212" y="2133600"/>
+            <a:ext cx="8915400" cy="4086896"/>
+          </a:xfrm>
+        </p:spPr>
         <p:txBody>
           <a:bodyPr/>
           <a:lstStyle/>
           <a:p>
-            <a:endParaRPr lang="bg-BG"/>
+            <a:pPr>
+              <a:buFont typeface="Arial" panose="020B0604020202020204" pitchFamily="34" charset="0"/>
+              <a:buChar char="•"/>
+            </a:pPr>
+            <a:r>
+              <a:rPr lang="bg-BG" dirty="0"/>
+              <a:t>М</a:t>
+            </a:r>
+            <a:r>
+              <a:rPr lang="bg-BG" dirty="0" smtClean="0"/>
+              <a:t>ашини от </a:t>
+            </a:r>
+            <a:r>
+              <a:rPr lang="bg-BG" dirty="0"/>
+              <a:t>В</a:t>
+            </a:r>
+            <a:r>
+              <a:rPr lang="bg-BG" dirty="0" smtClean="0"/>
+              <a:t>тората Световна Война</a:t>
+            </a:r>
+          </a:p>
+          <a:p>
+            <a:pPr>
+              <a:buFont typeface="Arial" panose="020B0604020202020204" pitchFamily="34" charset="0"/>
+              <a:buChar char="•"/>
+            </a:pPr>
+            <a:endParaRPr lang="bg-BG" dirty="0" smtClean="0"/>
+          </a:p>
+          <a:p>
+            <a:pPr>
+              <a:buFont typeface="Arial" panose="020B0604020202020204" pitchFamily="34" charset="0"/>
+              <a:buChar char="•"/>
+            </a:pPr>
+            <a:endParaRPr lang="bg-BG" dirty="0"/>
+          </a:p>
+          <a:p>
+            <a:pPr>
+              <a:buFont typeface="Arial" panose="020B0604020202020204" pitchFamily="34" charset="0"/>
+              <a:buChar char="•"/>
+            </a:pPr>
+            <a:endParaRPr lang="bg-BG" dirty="0" smtClean="0"/>
+          </a:p>
+          <a:p>
+            <a:pPr>
+              <a:buFont typeface="Arial" panose="020B0604020202020204" pitchFamily="34" charset="0"/>
+              <a:buChar char="•"/>
+            </a:pPr>
+            <a:endParaRPr lang="bg-BG" dirty="0"/>
+          </a:p>
+          <a:p>
+            <a:pPr>
+              <a:buFont typeface="Arial" panose="020B0604020202020204" pitchFamily="34" charset="0"/>
+              <a:buChar char="•"/>
+            </a:pPr>
+            <a:r>
+              <a:rPr lang="bg-BG" dirty="0" smtClean="0"/>
+              <a:t>Разказва част от историята им, за да предизвика интерес</a:t>
+            </a:r>
+          </a:p>
+          <a:p>
+            <a:pPr marL="0" indent="0">
+              <a:buNone/>
+            </a:pPr>
+            <a:endParaRPr lang="bg-BG" dirty="0" smtClean="0"/>
+          </a:p>
+          <a:p>
+            <a:pPr>
+              <a:buFont typeface="Arial" panose="020B0604020202020204" pitchFamily="34" charset="0"/>
+              <a:buChar char="•"/>
+            </a:pPr>
+            <a:endParaRPr lang="bg-BG" dirty="0" smtClean="0"/>
+          </a:p>
+          <a:p>
+            <a:pPr marL="0" indent="0">
+              <a:buNone/>
+            </a:pPr>
+            <a:endParaRPr lang="bg-BG" dirty="0"/>
           </a:p>
         </p:txBody>
       </p:sp>
     </p:spTree>
     <p:extLst>
       <p:ext uri="{BB962C8B-B14F-4D97-AF65-F5344CB8AC3E}">
-        <p14:creationId xmlns:p14="http://schemas.microsoft.com/office/powerpoint/2010/main" val="3981719595"/>
+        <p14:creationId xmlns:p14="http://schemas.microsoft.com/office/powerpoint/2010/main" val="2778511487"/>
       </p:ext>
     </p:extLst>
   </p:cSld>
   <p:clrMapOvr>
     <a:masterClrMapping/>
   </p:clrMapOvr>
+  <p:timing>
+    <p:tnLst>
+      <p:par>
+        <p:cTn id="1" dur="indefinite" restart="never" nodeType="tmRoot"/>
+      </p:par>
+    </p:tnLst>
+  </p:timing>
 </p:sld>
 </file>
 
@@ -8047,7 +8840,7 @@
       </p:grpSpPr>
       <p:sp>
         <p:nvSpPr>
-          <p:cNvPr id="5" name="Title 4"/>
+          <p:cNvPr id="2" name="Title 1"/>
           <p:cNvSpPr>
             <a:spLocks noGrp="1"/>
           </p:cNvSpPr>
@@ -8062,7 +8855,7 @@
           <a:p>
             <a:r>
               <a:rPr lang="bg-BG" dirty="0" smtClean="0"/>
-              <a:t>Зарибяваща</a:t>
+              <a:t>Използвани технологии</a:t>
             </a:r>
             <a:endParaRPr lang="bg-BG" dirty="0"/>
           </a:p>
@@ -8070,24 +8863,12 @@
       </p:sp>
       <p:sp>
         <p:nvSpPr>
-          <p:cNvPr id="6" name="Picture Placeholder 5"/>
-          <p:cNvSpPr>
-            <a:spLocks noGrp="1"/>
-          </p:cNvSpPr>
-          <p:nvPr>
-            <p:ph type="pic" idx="1"/>
-          </p:nvPr>
-        </p:nvSpPr>
-        <p:spPr/>
-      </p:sp>
-      <p:sp>
-        <p:nvSpPr>
-          <p:cNvPr id="7" name="Text Placeholder 6"/>
-          <p:cNvSpPr>
-            <a:spLocks noGrp="1"/>
-          </p:cNvSpPr>
-          <p:nvPr>
-            <p:ph type="body" sz="half" idx="2"/>
+          <p:cNvPr id="3" name="Content Placeholder 2"/>
+          <p:cNvSpPr>
+            <a:spLocks noGrp="1"/>
+          </p:cNvSpPr>
+          <p:nvPr>
+            <p:ph idx="1"/>
           </p:nvPr>
         </p:nvSpPr>
         <p:spPr/>
@@ -8095,20 +8876,79 @@
           <a:bodyPr/>
           <a:lstStyle/>
           <a:p>
-            <a:endParaRPr lang="bg-BG"/>
+            <a:pPr>
+              <a:buFont typeface="Arial" panose="020B0604020202020204" pitchFamily="34" charset="0"/>
+              <a:buChar char="•"/>
+            </a:pPr>
+            <a:r>
+              <a:rPr lang="bg-BG" dirty="0" smtClean="0"/>
+              <a:t>Програма за изпълнение на кода – </a:t>
+            </a:r>
+            <a:r>
+              <a:rPr lang="en-US" dirty="0" smtClean="0"/>
+              <a:t>Python</a:t>
+            </a:r>
+          </a:p>
+          <a:p>
+            <a:pPr>
+              <a:buFont typeface="Arial" panose="020B0604020202020204" pitchFamily="34" charset="0"/>
+              <a:buChar char="•"/>
+            </a:pPr>
+            <a:r>
+              <a:rPr lang="bg-BG" dirty="0" smtClean="0"/>
+              <a:t>Програми за създаване на графика – </a:t>
+            </a:r>
+            <a:r>
+              <a:rPr lang="en-US" dirty="0" smtClean="0"/>
+              <a:t>paint.net; paint; </a:t>
+            </a:r>
+            <a:r>
+              <a:rPr lang="en-US" dirty="0" err="1" smtClean="0"/>
+              <a:t>krit</a:t>
+            </a:r>
+            <a:r>
+              <a:rPr lang="en-US" dirty="0" err="1" smtClean="0"/>
+              <a:t>t</a:t>
+            </a:r>
+            <a:r>
+              <a:rPr lang="en-US" dirty="0" err="1" smtClean="0"/>
+              <a:t>a</a:t>
+            </a:r>
+            <a:endParaRPr lang="en-US" dirty="0" smtClean="0"/>
+          </a:p>
+          <a:p>
+            <a:pPr>
+              <a:buFont typeface="Arial" panose="020B0604020202020204" pitchFamily="34" charset="0"/>
+              <a:buChar char="•"/>
+            </a:pPr>
+            <a:endParaRPr lang="en-US" dirty="0"/>
+          </a:p>
+          <a:p>
+            <a:pPr>
+              <a:buFont typeface="Arial" panose="020B0604020202020204" pitchFamily="34" charset="0"/>
+              <a:buChar char="•"/>
+            </a:pPr>
+            <a:endParaRPr lang="bg-BG" dirty="0"/>
           </a:p>
         </p:txBody>
       </p:sp>
     </p:spTree>
     <p:extLst>
       <p:ext uri="{BB962C8B-B14F-4D97-AF65-F5344CB8AC3E}">
-        <p14:creationId xmlns:p14="http://schemas.microsoft.com/office/powerpoint/2010/main" val="438691066"/>
+        <p14:creationId xmlns:p14="http://schemas.microsoft.com/office/powerpoint/2010/main" val="3572151206"/>
       </p:ext>
     </p:extLst>
   </p:cSld>
   <p:clrMapOvr>
     <a:masterClrMapping/>
   </p:clrMapOvr>
+  <p:timing>
+    <p:tnLst>
+      <p:par>
+        <p:cTn id="1" dur="indefinite" restart="never" nodeType="tmRoot"/>
+      </p:par>
+    </p:tnLst>
+  </p:timing>
 </p:sld>
 </file>
 
@@ -8131,352 +8971,6 @@
       </p:grpSpPr>
       <p:sp>
         <p:nvSpPr>
-          <p:cNvPr id="2" name="Title 1"/>
-          <p:cNvSpPr>
-            <a:spLocks noGrp="1"/>
-          </p:cNvSpPr>
-          <p:nvPr>
-            <p:ph type="title"/>
-          </p:nvPr>
-        </p:nvSpPr>
-        <p:spPr/>
-        <p:txBody>
-          <a:bodyPr/>
-          <a:lstStyle/>
-          <a:p>
-            <a:r>
-              <a:rPr lang="bg-BG" dirty="0" smtClean="0"/>
-              <a:t>Лесни контроли</a:t>
-            </a:r>
-            <a:endParaRPr lang="bg-BG" dirty="0"/>
-          </a:p>
-        </p:txBody>
-      </p:sp>
-      <p:sp>
-        <p:nvSpPr>
-          <p:cNvPr id="3" name="Picture Placeholder 2"/>
-          <p:cNvSpPr>
-            <a:spLocks noGrp="1"/>
-          </p:cNvSpPr>
-          <p:nvPr>
-            <p:ph type="pic" idx="1"/>
-          </p:nvPr>
-        </p:nvSpPr>
-        <p:spPr/>
-      </p:sp>
-      <p:sp>
-        <p:nvSpPr>
-          <p:cNvPr id="4" name="Text Placeholder 3"/>
-          <p:cNvSpPr>
-            <a:spLocks noGrp="1"/>
-          </p:cNvSpPr>
-          <p:nvPr>
-            <p:ph type="body" sz="half" idx="2"/>
-          </p:nvPr>
-        </p:nvSpPr>
-        <p:spPr/>
-        <p:txBody>
-          <a:bodyPr/>
-          <a:lstStyle/>
-          <a:p>
-            <a:endParaRPr lang="bg-BG"/>
-          </a:p>
-        </p:txBody>
-      </p:sp>
-    </p:spTree>
-    <p:extLst>
-      <p:ext uri="{BB962C8B-B14F-4D97-AF65-F5344CB8AC3E}">
-        <p14:creationId xmlns:p14="http://schemas.microsoft.com/office/powerpoint/2010/main" val="380067297"/>
-      </p:ext>
-    </p:extLst>
-  </p:cSld>
-  <p:clrMapOvr>
-    <a:masterClrMapping/>
-  </p:clrMapOvr>
-</p:sld>
-</file>
-
-<file path=ppt/slides/slide7.xml><?xml version="1.0" encoding="utf-8"?>
-<p:sld xmlns:a="http://schemas.openxmlformats.org/drawingml/2006/main" xmlns:r="http://schemas.openxmlformats.org/officeDocument/2006/relationships" xmlns:p="http://schemas.openxmlformats.org/presentationml/2006/main">
-  <p:cSld>
-    <p:spTree>
-      <p:nvGrpSpPr>
-        <p:cNvPr id="1" name=""/>
-        <p:cNvGrpSpPr/>
-        <p:nvPr/>
-      </p:nvGrpSpPr>
-      <p:grpSpPr>
-        <a:xfrm>
-          <a:off x="0" y="0"/>
-          <a:ext cx="0" cy="0"/>
-          <a:chOff x="0" y="0"/>
-          <a:chExt cx="0" cy="0"/>
-        </a:xfrm>
-      </p:grpSpPr>
-      <p:sp>
-        <p:nvSpPr>
-          <p:cNvPr id="5" name="Title 4"/>
-          <p:cNvSpPr>
-            <a:spLocks noGrp="1"/>
-          </p:cNvSpPr>
-          <p:nvPr>
-            <p:ph type="title"/>
-          </p:nvPr>
-        </p:nvSpPr>
-        <p:spPr/>
-        <p:txBody>
-          <a:bodyPr/>
-          <a:lstStyle/>
-          <a:p>
-            <a:r>
-              <a:rPr lang="bg-BG" dirty="0" smtClean="0"/>
-              <a:t>Как тази игра е свързана с темата</a:t>
-            </a:r>
-            <a:endParaRPr lang="bg-BG" dirty="0"/>
-          </a:p>
-        </p:txBody>
-      </p:sp>
-      <p:sp>
-        <p:nvSpPr>
-          <p:cNvPr id="6" name="Content Placeholder 5"/>
-          <p:cNvSpPr>
-            <a:spLocks noGrp="1"/>
-          </p:cNvSpPr>
-          <p:nvPr>
-            <p:ph idx="1"/>
-          </p:nvPr>
-        </p:nvSpPr>
-        <p:spPr>
-          <a:xfrm>
-            <a:off x="2589212" y="2133600"/>
-            <a:ext cx="8915400" cy="4086896"/>
-          </a:xfrm>
-        </p:spPr>
-        <p:txBody>
-          <a:bodyPr/>
-          <a:lstStyle/>
-          <a:p>
-            <a:pPr>
-              <a:buFont typeface="Arial" panose="020B0604020202020204" pitchFamily="34" charset="0"/>
-              <a:buChar char="•"/>
-            </a:pPr>
-            <a:r>
-              <a:rPr lang="bg-BG" dirty="0"/>
-              <a:t>М</a:t>
-            </a:r>
-            <a:r>
-              <a:rPr lang="bg-BG" dirty="0" smtClean="0"/>
-              <a:t>ашини от </a:t>
-            </a:r>
-            <a:r>
-              <a:rPr lang="bg-BG" dirty="0"/>
-              <a:t>В</a:t>
-            </a:r>
-            <a:r>
-              <a:rPr lang="bg-BG" dirty="0" smtClean="0"/>
-              <a:t>тората Световна Война</a:t>
-            </a:r>
-          </a:p>
-          <a:p>
-            <a:pPr>
-              <a:buFont typeface="Arial" panose="020B0604020202020204" pitchFamily="34" charset="0"/>
-              <a:buChar char="•"/>
-            </a:pPr>
-            <a:endParaRPr lang="bg-BG" dirty="0" smtClean="0"/>
-          </a:p>
-          <a:p>
-            <a:pPr>
-              <a:buFont typeface="Arial" panose="020B0604020202020204" pitchFamily="34" charset="0"/>
-              <a:buChar char="•"/>
-            </a:pPr>
-            <a:endParaRPr lang="bg-BG" dirty="0"/>
-          </a:p>
-          <a:p>
-            <a:pPr>
-              <a:buFont typeface="Arial" panose="020B0604020202020204" pitchFamily="34" charset="0"/>
-              <a:buChar char="•"/>
-            </a:pPr>
-            <a:endParaRPr lang="bg-BG" dirty="0" smtClean="0"/>
-          </a:p>
-          <a:p>
-            <a:pPr>
-              <a:buFont typeface="Arial" panose="020B0604020202020204" pitchFamily="34" charset="0"/>
-              <a:buChar char="•"/>
-            </a:pPr>
-            <a:endParaRPr lang="bg-BG" dirty="0"/>
-          </a:p>
-          <a:p>
-            <a:pPr>
-              <a:buFont typeface="Arial" panose="020B0604020202020204" pitchFamily="34" charset="0"/>
-              <a:buChar char="•"/>
-            </a:pPr>
-            <a:r>
-              <a:rPr lang="bg-BG" dirty="0" smtClean="0"/>
-              <a:t>Разказва част от историята им, за да предизвика интерес</a:t>
-            </a:r>
-          </a:p>
-          <a:p>
-            <a:pPr marL="0" indent="0">
-              <a:buNone/>
-            </a:pPr>
-            <a:endParaRPr lang="bg-BG" dirty="0" smtClean="0"/>
-          </a:p>
-          <a:p>
-            <a:pPr>
-              <a:buFont typeface="Arial" panose="020B0604020202020204" pitchFamily="34" charset="0"/>
-              <a:buChar char="•"/>
-            </a:pPr>
-            <a:endParaRPr lang="bg-BG" dirty="0" smtClean="0"/>
-          </a:p>
-          <a:p>
-            <a:pPr marL="0" indent="0">
-              <a:buNone/>
-            </a:pPr>
-            <a:endParaRPr lang="bg-BG" dirty="0"/>
-          </a:p>
-        </p:txBody>
-      </p:sp>
-    </p:spTree>
-    <p:extLst>
-      <p:ext uri="{BB962C8B-B14F-4D97-AF65-F5344CB8AC3E}">
-        <p14:creationId xmlns:p14="http://schemas.microsoft.com/office/powerpoint/2010/main" val="2778511487"/>
-      </p:ext>
-    </p:extLst>
-  </p:cSld>
-  <p:clrMapOvr>
-    <a:masterClrMapping/>
-  </p:clrMapOvr>
-</p:sld>
-</file>
-
-<file path=ppt/slides/slide8.xml><?xml version="1.0" encoding="utf-8"?>
-<p:sld xmlns:a="http://schemas.openxmlformats.org/drawingml/2006/main" xmlns:r="http://schemas.openxmlformats.org/officeDocument/2006/relationships" xmlns:p="http://schemas.openxmlformats.org/presentationml/2006/main">
-  <p:cSld>
-    <p:spTree>
-      <p:nvGrpSpPr>
-        <p:cNvPr id="1" name=""/>
-        <p:cNvGrpSpPr/>
-        <p:nvPr/>
-      </p:nvGrpSpPr>
-      <p:grpSpPr>
-        <a:xfrm>
-          <a:off x="0" y="0"/>
-          <a:ext cx="0" cy="0"/>
-          <a:chOff x="0" y="0"/>
-          <a:chExt cx="0" cy="0"/>
-        </a:xfrm>
-      </p:grpSpPr>
-      <p:sp>
-        <p:nvSpPr>
-          <p:cNvPr id="2" name="Title 1"/>
-          <p:cNvSpPr>
-            <a:spLocks noGrp="1"/>
-          </p:cNvSpPr>
-          <p:nvPr>
-            <p:ph type="title"/>
-          </p:nvPr>
-        </p:nvSpPr>
-        <p:spPr/>
-        <p:txBody>
-          <a:bodyPr/>
-          <a:lstStyle/>
-          <a:p>
-            <a:r>
-              <a:rPr lang="bg-BG" dirty="0" smtClean="0"/>
-              <a:t>Използвани технологии</a:t>
-            </a:r>
-            <a:endParaRPr lang="bg-BG" dirty="0"/>
-          </a:p>
-        </p:txBody>
-      </p:sp>
-      <p:sp>
-        <p:nvSpPr>
-          <p:cNvPr id="3" name="Content Placeholder 2"/>
-          <p:cNvSpPr>
-            <a:spLocks noGrp="1"/>
-          </p:cNvSpPr>
-          <p:nvPr>
-            <p:ph idx="1"/>
-          </p:nvPr>
-        </p:nvSpPr>
-        <p:spPr/>
-        <p:txBody>
-          <a:bodyPr/>
-          <a:lstStyle/>
-          <a:p>
-            <a:pPr>
-              <a:buFont typeface="Arial" panose="020B0604020202020204" pitchFamily="34" charset="0"/>
-              <a:buChar char="•"/>
-            </a:pPr>
-            <a:r>
-              <a:rPr lang="bg-BG" dirty="0" smtClean="0"/>
-              <a:t>Програма за изпълнение на кода – </a:t>
-            </a:r>
-            <a:r>
-              <a:rPr lang="en-US" dirty="0" smtClean="0"/>
-              <a:t>Python</a:t>
-            </a:r>
-          </a:p>
-          <a:p>
-            <a:pPr>
-              <a:buFont typeface="Arial" panose="020B0604020202020204" pitchFamily="34" charset="0"/>
-              <a:buChar char="•"/>
-            </a:pPr>
-            <a:r>
-              <a:rPr lang="bg-BG" dirty="0" smtClean="0"/>
-              <a:t>Програми за създаване на графика – </a:t>
-            </a:r>
-            <a:r>
-              <a:rPr lang="en-US" dirty="0" smtClean="0"/>
-              <a:t>paint.net; paint; </a:t>
-            </a:r>
-            <a:r>
-              <a:rPr lang="en-US" dirty="0" err="1" smtClean="0"/>
-              <a:t>krita</a:t>
-            </a:r>
-            <a:endParaRPr lang="en-US"/>
-          </a:p>
-          <a:p>
-            <a:pPr>
-              <a:buFont typeface="Arial" panose="020B0604020202020204" pitchFamily="34" charset="0"/>
-              <a:buChar char="•"/>
-            </a:pPr>
-            <a:endParaRPr lang="bg-BG" dirty="0"/>
-          </a:p>
-        </p:txBody>
-      </p:sp>
-    </p:spTree>
-    <p:extLst>
-      <p:ext uri="{BB962C8B-B14F-4D97-AF65-F5344CB8AC3E}">
-        <p14:creationId xmlns:p14="http://schemas.microsoft.com/office/powerpoint/2010/main" val="3572151206"/>
-      </p:ext>
-    </p:extLst>
-  </p:cSld>
-  <p:clrMapOvr>
-    <a:masterClrMapping/>
-  </p:clrMapOvr>
-</p:sld>
-</file>
-
-<file path=ppt/slides/slide9.xml><?xml version="1.0" encoding="utf-8"?>
-<p:sld xmlns:a="http://schemas.openxmlformats.org/drawingml/2006/main" xmlns:r="http://schemas.openxmlformats.org/officeDocument/2006/relationships" xmlns:p="http://schemas.openxmlformats.org/presentationml/2006/main">
-  <p:cSld>
-    <p:spTree>
-      <p:nvGrpSpPr>
-        <p:cNvPr id="1" name=""/>
-        <p:cNvGrpSpPr/>
-        <p:nvPr/>
-      </p:nvGrpSpPr>
-      <p:grpSpPr>
-        <a:xfrm>
-          <a:off x="0" y="0"/>
-          <a:ext cx="0" cy="0"/>
-          <a:chOff x="0" y="0"/>
-          <a:chExt cx="0" cy="0"/>
-        </a:xfrm>
-      </p:grpSpPr>
-      <p:sp>
-        <p:nvSpPr>
           <p:cNvPr id="4" name="Title 3"/>
           <p:cNvSpPr>
             <a:spLocks noGrp="1"/>
@@ -8513,6 +9007,13 @@
   <p:clrMapOvr>
     <a:masterClrMapping/>
   </p:clrMapOvr>
+  <p:timing>
+    <p:tnLst>
+      <p:par>
+        <p:cTn id="1" dur="indefinite" restart="never" nodeType="tmRoot"/>
+      </p:par>
+    </p:tnLst>
+  </p:timing>
 </p:sld>
 </file>
 

--- a/Hack 30 xTUES presentation.pptx
+++ b/Hack 30 xTUES presentation.pptx
@@ -6,11 +6,16 @@
   </p:sldMasterIdLst>
   <p:sldIdLst>
     <p:sldId id="256" r:id="rId2"/>
-    <p:sldId id="264" r:id="rId3"/>
-    <p:sldId id="267" r:id="rId4"/>
-    <p:sldId id="263" r:id="rId5"/>
-    <p:sldId id="266" r:id="rId6"/>
-    <p:sldId id="265" r:id="rId7"/>
+    <p:sldId id="268" r:id="rId3"/>
+    <p:sldId id="264" r:id="rId4"/>
+    <p:sldId id="267" r:id="rId5"/>
+    <p:sldId id="263" r:id="rId6"/>
+    <p:sldId id="269" r:id="rId7"/>
+    <p:sldId id="271" r:id="rId8"/>
+    <p:sldId id="272" r:id="rId9"/>
+    <p:sldId id="266" r:id="rId10"/>
+    <p:sldId id="270" r:id="rId11"/>
+    <p:sldId id="265" r:id="rId12"/>
   </p:sldIdLst>
   <p:sldSz cx="12192000" cy="6858000"/>
   <p:notesSz cx="6858000" cy="9144000"/>
@@ -305,7 +310,7 @@
           <a:p>
             <a:fld id="{C1A00F9C-73F9-46CF-963E-824FDE198C9E}" type="datetimeFigureOut">
               <a:rPr lang="bg-BG" smtClean="0"/>
-              <a:t>17.03.2018</a:t>
+              <a:t>18.03.2018</a:t>
             </a:fld>
             <a:endParaRPr lang="bg-BG"/>
           </a:p>
@@ -643,7 +648,7 @@
           <a:p>
             <a:fld id="{C1A00F9C-73F9-46CF-963E-824FDE198C9E}" type="datetimeFigureOut">
               <a:rPr lang="bg-BG" smtClean="0"/>
-              <a:t>17.03.2018</a:t>
+              <a:t>18.03.2018</a:t>
             </a:fld>
             <a:endParaRPr lang="bg-BG"/>
           </a:p>
@@ -1044,7 +1049,7 @@
           <a:p>
             <a:fld id="{C1A00F9C-73F9-46CF-963E-824FDE198C9E}" type="datetimeFigureOut">
               <a:rPr lang="bg-BG" smtClean="0"/>
-              <a:t>17.03.2018</a:t>
+              <a:t>18.03.2018</a:t>
             </a:fld>
             <a:endParaRPr lang="bg-BG"/>
           </a:p>
@@ -1380,7 +1385,7 @@
           <a:p>
             <a:fld id="{C1A00F9C-73F9-46CF-963E-824FDE198C9E}" type="datetimeFigureOut">
               <a:rPr lang="bg-BG" smtClean="0"/>
-              <a:t>17.03.2018</a:t>
+              <a:t>18.03.2018</a:t>
             </a:fld>
             <a:endParaRPr lang="bg-BG"/>
           </a:p>
@@ -1700,7 +1705,7 @@
           <a:p>
             <a:fld id="{C1A00F9C-73F9-46CF-963E-824FDE198C9E}" type="datetimeFigureOut">
               <a:rPr lang="bg-BG" smtClean="0"/>
-              <a:t>17.03.2018</a:t>
+              <a:t>18.03.2018</a:t>
             </a:fld>
             <a:endParaRPr lang="bg-BG"/>
           </a:p>
@@ -2096,7 +2101,7 @@
           <a:p>
             <a:fld id="{C1A00F9C-73F9-46CF-963E-824FDE198C9E}" type="datetimeFigureOut">
               <a:rPr lang="bg-BG" smtClean="0"/>
-              <a:t>17.03.2018</a:t>
+              <a:t>18.03.2018</a:t>
             </a:fld>
             <a:endParaRPr lang="bg-BG"/>
           </a:p>
@@ -2353,7 +2358,7 @@
           <a:p>
             <a:fld id="{C1A00F9C-73F9-46CF-963E-824FDE198C9E}" type="datetimeFigureOut">
               <a:rPr lang="bg-BG" smtClean="0"/>
-              <a:t>17.03.2018</a:t>
+              <a:t>18.03.2018</a:t>
             </a:fld>
             <a:endParaRPr lang="bg-BG"/>
           </a:p>
@@ -2615,7 +2620,7 @@
           <a:p>
             <a:fld id="{C1A00F9C-73F9-46CF-963E-824FDE198C9E}" type="datetimeFigureOut">
               <a:rPr lang="bg-BG" smtClean="0"/>
-              <a:t>17.03.2018</a:t>
+              <a:t>18.03.2018</a:t>
             </a:fld>
             <a:endParaRPr lang="bg-BG"/>
           </a:p>
@@ -2877,7 +2882,7 @@
           <a:p>
             <a:fld id="{C1A00F9C-73F9-46CF-963E-824FDE198C9E}" type="datetimeFigureOut">
               <a:rPr lang="bg-BG" smtClean="0"/>
-              <a:t>17.03.2018</a:t>
+              <a:t>18.03.2018</a:t>
             </a:fld>
             <a:endParaRPr lang="bg-BG"/>
           </a:p>
@@ -3206,7 +3211,7 @@
           <a:p>
             <a:fld id="{C1A00F9C-73F9-46CF-963E-824FDE198C9E}" type="datetimeFigureOut">
               <a:rPr lang="bg-BG" smtClean="0"/>
-              <a:t>17.03.2018</a:t>
+              <a:t>18.03.2018</a:t>
             </a:fld>
             <a:endParaRPr lang="bg-BG"/>
           </a:p>
@@ -3529,7 +3534,7 @@
           <a:p>
             <a:fld id="{C1A00F9C-73F9-46CF-963E-824FDE198C9E}" type="datetimeFigureOut">
               <a:rPr lang="bg-BG" smtClean="0"/>
-              <a:t>17.03.2018</a:t>
+              <a:t>18.03.2018</a:t>
             </a:fld>
             <a:endParaRPr lang="bg-BG"/>
           </a:p>
@@ -3986,7 +3991,7 @@
           <a:p>
             <a:fld id="{C1A00F9C-73F9-46CF-963E-824FDE198C9E}" type="datetimeFigureOut">
               <a:rPr lang="bg-BG" smtClean="0"/>
-              <a:t>17.03.2018</a:t>
+              <a:t>18.03.2018</a:t>
             </a:fld>
             <a:endParaRPr lang="bg-BG"/>
           </a:p>
@@ -4191,7 +4196,7 @@
           <a:p>
             <a:fld id="{C1A00F9C-73F9-46CF-963E-824FDE198C9E}" type="datetimeFigureOut">
               <a:rPr lang="bg-BG" smtClean="0"/>
-              <a:t>17.03.2018</a:t>
+              <a:t>18.03.2018</a:t>
             </a:fld>
             <a:endParaRPr lang="bg-BG"/>
           </a:p>
@@ -4368,7 +4373,7 @@
           <a:p>
             <a:fld id="{C1A00F9C-73F9-46CF-963E-824FDE198C9E}" type="datetimeFigureOut">
               <a:rPr lang="bg-BG" smtClean="0"/>
-              <a:t>17.03.2018</a:t>
+              <a:t>18.03.2018</a:t>
             </a:fld>
             <a:endParaRPr lang="bg-BG"/>
           </a:p>
@@ -4701,7 +4706,7 @@
           <a:p>
             <a:fld id="{C1A00F9C-73F9-46CF-963E-824FDE198C9E}" type="datetimeFigureOut">
               <a:rPr lang="bg-BG" smtClean="0"/>
-              <a:t>17.03.2018</a:t>
+              <a:t>18.03.2018</a:t>
             </a:fld>
             <a:endParaRPr lang="bg-BG"/>
           </a:p>
@@ -5046,7 +5051,7 @@
           <a:p>
             <a:fld id="{C1A00F9C-73F9-46CF-963E-824FDE198C9E}" type="datetimeFigureOut">
               <a:rPr lang="bg-BG" smtClean="0"/>
-              <a:t>17.03.2018</a:t>
+              <a:t>18.03.2018</a:t>
             </a:fld>
             <a:endParaRPr lang="bg-BG"/>
           </a:p>
@@ -7163,7 +7168,7 @@
           <a:p>
             <a:fld id="{C1A00F9C-73F9-46CF-963E-824FDE198C9E}" type="datetimeFigureOut">
               <a:rPr lang="bg-BG" smtClean="0"/>
-              <a:t>17.03.2018</a:t>
+              <a:t>18.03.2018</a:t>
             </a:fld>
             <a:endParaRPr lang="bg-BG"/>
           </a:p>
@@ -7700,7 +7705,11 @@
             <a:pPr algn="ctr"/>
             <a:r>
               <a:rPr lang="en-US" sz="9600" i="1" dirty="0" smtClean="0"/>
-              <a:t>Air War</a:t>
+              <a:t>Air </a:t>
+            </a:r>
+            <a:r>
+              <a:rPr lang="en-US" sz="9600" i="1" dirty="0" smtClean="0"/>
+              <a:t>Wars</a:t>
             </a:r>
             <a:endParaRPr lang="bg-BG" sz="9600" i="1" dirty="0"/>
           </a:p>
@@ -7724,7 +7733,7 @@
             <a:pPr algn="ctr"/>
             <a:r>
               <a:rPr lang="en-US" dirty="0" smtClean="0"/>
-              <a:t>A game developing knowledge</a:t>
+              <a:t>A game that develops knowledge</a:t>
             </a:r>
             <a:endParaRPr lang="bg-BG" dirty="0"/>
           </a:p>
@@ -7752,6 +7761,9 @@
                     <p:cTn id="3" fill="hold">
                       <p:stCondLst>
                         <p:cond delay="indefinite"/>
+                        <p:cond evt="onBegin" delay="0">
+                          <p:tn val="2"/>
+                        </p:cond>
                       </p:stCondLst>
                       <p:childTnLst>
                         <p:par>
@@ -7761,7 +7773,7 @@
                             </p:stCondLst>
                             <p:childTnLst>
                               <p:par>
-                                <p:cTn id="5" presetID="2" presetClass="entr" presetSubtype="4" fill="hold" grpId="0" nodeType="clickEffect">
+                                <p:cTn id="5" presetID="2" presetClass="entr" presetSubtype="4" fill="hold" grpId="0" nodeType="afterEffect">
                                   <p:stCondLst>
                                     <p:cond delay="500"/>
                                   </p:stCondLst>
@@ -7786,7 +7798,7 @@
                                     </p:set>
                                     <p:anim calcmode="lin" valueType="num">
                                       <p:cBhvr additive="base">
-                                        <p:cTn id="7" dur="1750" fill="hold"/>
+                                        <p:cTn id="7" dur="1000" fill="hold"/>
                                         <p:tgtEl>
                                           <p:spTgt spid="2"/>
                                         </p:tgtEl>
@@ -7809,7 +7821,7 @@
                                     </p:anim>
                                     <p:anim calcmode="lin" valueType="num">
                                       <p:cBhvr additive="base">
-                                        <p:cTn id="8" dur="1750" fill="hold"/>
+                                        <p:cTn id="8" dur="1000" fill="hold"/>
                                         <p:tgtEl>
                                           <p:spTgt spid="2"/>
                                         </p:tgtEl>
@@ -7839,409 +7851,13 @@
                         <p:par>
                           <p:cTn id="9" fill="hold">
                             <p:stCondLst>
-                              <p:cond delay="2250"/>
+                              <p:cond delay="1500"/>
                             </p:stCondLst>
                             <p:childTnLst>
                               <p:par>
-                                <p:cTn id="10" presetID="16" presetClass="entr" presetSubtype="21" fill="hold" nodeType="afterEffect">
+                                <p:cTn id="10" presetID="16" presetClass="entr" presetSubtype="21" fill="hold" grpId="0" nodeType="afterEffect">
                                   <p:stCondLst>
-                                    <p:cond delay="500"/>
-                                  </p:stCondLst>
-                                  <p:childTnLst>
-                                    <p:set>
-                                      <p:cBhvr>
-                                        <p:cTn id="11" dur="1" fill="hold">
-                                          <p:stCondLst>
-                                            <p:cond delay="0"/>
-                                          </p:stCondLst>
-                                        </p:cTn>
-                                        <p:tgtEl>
-                                          <p:spTgt spid="3">
-                                            <p:txEl>
-                                              <p:pRg st="0" end="0"/>
-                                            </p:txEl>
-                                          </p:spTgt>
-                                        </p:tgtEl>
-                                        <p:attrNameLst>
-                                          <p:attrName>style.visibility</p:attrName>
-                                        </p:attrNameLst>
-                                      </p:cBhvr>
-                                      <p:to>
-                                        <p:strVal val="visible"/>
-                                      </p:to>
-                                    </p:set>
-                                    <p:animEffect transition="in" filter="barn(inVertical)">
-                                      <p:cBhvr>
-                                        <p:cTn id="12" dur="1250"/>
-                                        <p:tgtEl>
-                                          <p:spTgt spid="3">
-                                            <p:txEl>
-                                              <p:pRg st="0" end="0"/>
-                                            </p:txEl>
-                                          </p:spTgt>
-                                        </p:tgtEl>
-                                      </p:cBhvr>
-                                    </p:animEffect>
-                                  </p:childTnLst>
-                                </p:cTn>
-                              </p:par>
-                            </p:childTnLst>
-                          </p:cTn>
-                        </p:par>
-                      </p:childTnLst>
-                    </p:cTn>
-                  </p:par>
-                </p:childTnLst>
-              </p:cTn>
-              <p:prevCondLst>
-                <p:cond evt="onPrev" delay="0">
-                  <p:tgtEl>
-                    <p:sldTgt/>
-                  </p:tgtEl>
-                </p:cond>
-              </p:prevCondLst>
-              <p:nextCondLst>
-                <p:cond evt="onNext" delay="0">
-                  <p:tgtEl>
-                    <p:sldTgt/>
-                  </p:tgtEl>
-                </p:cond>
-              </p:nextCondLst>
-            </p:seq>
-          </p:childTnLst>
-        </p:cTn>
-      </p:par>
-    </p:tnLst>
-    <p:bldLst>
-      <p:bldP spid="2" grpId="0"/>
-    </p:bldLst>
-  </p:timing>
-</p:sld>
-</file>
-
-<file path=ppt/slides/slide2.xml><?xml version="1.0" encoding="utf-8"?>
-<p:sld xmlns:a="http://schemas.openxmlformats.org/drawingml/2006/main" xmlns:r="http://schemas.openxmlformats.org/officeDocument/2006/relationships" xmlns:p="http://schemas.openxmlformats.org/presentationml/2006/main">
-  <p:cSld>
-    <p:spTree>
-      <p:nvGrpSpPr>
-        <p:cNvPr id="1" name=""/>
-        <p:cNvGrpSpPr/>
-        <p:nvPr/>
-      </p:nvGrpSpPr>
-      <p:grpSpPr>
-        <a:xfrm>
-          <a:off x="0" y="0"/>
-          <a:ext cx="0" cy="0"/>
-          <a:chOff x="0" y="0"/>
-          <a:chExt cx="0" cy="0"/>
-        </a:xfrm>
-      </p:grpSpPr>
-      <p:sp>
-        <p:nvSpPr>
-          <p:cNvPr id="2" name="Title 1"/>
-          <p:cNvSpPr>
-            <a:spLocks noGrp="1"/>
-          </p:cNvSpPr>
-          <p:nvPr>
-            <p:ph type="title"/>
-          </p:nvPr>
-        </p:nvSpPr>
-        <p:spPr/>
-        <p:txBody>
-          <a:bodyPr/>
-          <a:lstStyle/>
-          <a:p>
-            <a:r>
-              <a:rPr lang="bg-BG" dirty="0" smtClean="0"/>
-              <a:t>Какво представлява играта</a:t>
-            </a:r>
-            <a:endParaRPr lang="bg-BG" dirty="0"/>
-          </a:p>
-        </p:txBody>
-      </p:sp>
-      <p:sp>
-        <p:nvSpPr>
-          <p:cNvPr id="3" name="Content Placeholder 2"/>
-          <p:cNvSpPr>
-            <a:spLocks noGrp="1"/>
-          </p:cNvSpPr>
-          <p:nvPr>
-            <p:ph idx="1"/>
-          </p:nvPr>
-        </p:nvSpPr>
-        <p:spPr>
-          <a:xfrm>
-            <a:off x="2589212" y="2133600"/>
-            <a:ext cx="8915400" cy="4724400"/>
-          </a:xfrm>
-        </p:spPr>
-        <p:txBody>
-          <a:bodyPr/>
-          <a:lstStyle/>
-          <a:p>
-            <a:pPr>
-              <a:buFont typeface="Arial" panose="020B0604020202020204" pitchFamily="34" charset="0"/>
-              <a:buChar char="•"/>
-            </a:pPr>
-            <a:r>
-              <a:rPr lang="bg-BG" dirty="0" smtClean="0"/>
-              <a:t>Избор на герой.</a:t>
-            </a:r>
-          </a:p>
-          <a:p>
-            <a:pPr>
-              <a:buFont typeface="Arial" panose="020B0604020202020204" pitchFamily="34" charset="0"/>
-              <a:buChar char="•"/>
-            </a:pPr>
-            <a:r>
-              <a:rPr lang="bg-BG" dirty="0" smtClean="0"/>
-              <a:t>Цел </a:t>
-            </a:r>
-            <a:r>
-              <a:rPr lang="bg-BG" dirty="0" smtClean="0"/>
-              <a:t>на </a:t>
-            </a:r>
-            <a:r>
-              <a:rPr lang="bg-BG" dirty="0" smtClean="0"/>
-              <a:t>играта</a:t>
-            </a:r>
-            <a:r>
-              <a:rPr lang="en-US" dirty="0" smtClean="0"/>
-              <a:t> </a:t>
-            </a:r>
-            <a:r>
-              <a:rPr lang="bg-BG" dirty="0" smtClean="0"/>
-              <a:t>-</a:t>
-            </a:r>
-            <a:r>
-              <a:rPr lang="en-US" dirty="0" smtClean="0"/>
-              <a:t>  </a:t>
-            </a:r>
-            <a:r>
-              <a:rPr lang="bg-BG" dirty="0" smtClean="0"/>
-              <a:t>.</a:t>
-            </a:r>
-            <a:endParaRPr lang="en-US" dirty="0" smtClean="0"/>
-          </a:p>
-          <a:p>
-            <a:pPr>
-              <a:buFont typeface="Arial" panose="020B0604020202020204" pitchFamily="34" charset="0"/>
-              <a:buChar char="•"/>
-            </a:pPr>
-            <a:endParaRPr lang="bg-BG" dirty="0" smtClean="0"/>
-          </a:p>
-          <a:p>
-            <a:pPr>
-              <a:buFont typeface="Arial" panose="020B0604020202020204" pitchFamily="34" charset="0"/>
-              <a:buChar char="•"/>
-            </a:pPr>
-            <a:endParaRPr lang="bg-BG" dirty="0" smtClean="0"/>
-          </a:p>
-          <a:p>
-            <a:pPr>
-              <a:buFont typeface="Arial" panose="020B0604020202020204" pitchFamily="34" charset="0"/>
-              <a:buChar char="•"/>
-            </a:pPr>
-            <a:r>
-              <a:rPr lang="bg-BG" dirty="0" smtClean="0"/>
-              <a:t>Вид </a:t>
-            </a:r>
-            <a:r>
-              <a:rPr lang="bg-BG" dirty="0" smtClean="0"/>
-              <a:t>на </a:t>
-            </a:r>
-            <a:r>
-              <a:rPr lang="bg-BG" dirty="0" smtClean="0"/>
-              <a:t>играта – </a:t>
-            </a:r>
-            <a:r>
-              <a:rPr lang="en-US" dirty="0" smtClean="0"/>
-              <a:t>arcade </a:t>
-            </a:r>
-            <a:r>
-              <a:rPr lang="en-US" dirty="0" smtClean="0"/>
-              <a:t>video game</a:t>
-            </a:r>
-            <a:r>
-              <a:rPr lang="bg-BG" dirty="0" smtClean="0"/>
-              <a:t>.</a:t>
-            </a:r>
-            <a:endParaRPr lang="en-US" dirty="0" smtClean="0"/>
-          </a:p>
-          <a:p>
-            <a:pPr>
-              <a:buFont typeface="Arial" panose="020B0604020202020204" pitchFamily="34" charset="0"/>
-              <a:buChar char="•"/>
-            </a:pPr>
-            <a:endParaRPr lang="en-US" dirty="0" smtClean="0"/>
-          </a:p>
-          <a:p>
-            <a:pPr>
-              <a:buFont typeface="Arial" panose="020B0604020202020204" pitchFamily="34" charset="0"/>
-              <a:buChar char="•"/>
-            </a:pPr>
-            <a:endParaRPr lang="bg-BG" dirty="0" smtClean="0"/>
-          </a:p>
-          <a:p>
-            <a:pPr>
-              <a:buFont typeface="Arial" panose="020B0604020202020204" pitchFamily="34" charset="0"/>
-              <a:buChar char="•"/>
-            </a:pPr>
-            <a:r>
-              <a:rPr lang="bg-BG" dirty="0" smtClean="0"/>
-              <a:t>Използва машини от Втората Световна Война</a:t>
-            </a:r>
-            <a:r>
-              <a:rPr lang="en-US" dirty="0" smtClean="0"/>
-              <a:t>.</a:t>
-            </a:r>
-          </a:p>
-          <a:p>
-            <a:pPr marL="0" indent="0">
-              <a:buNone/>
-            </a:pPr>
-            <a:endParaRPr lang="en-US" dirty="0" smtClean="0"/>
-          </a:p>
-          <a:p>
-            <a:pPr>
-              <a:buFont typeface="Arial" panose="020B0604020202020204" pitchFamily="34" charset="0"/>
-              <a:buChar char="•"/>
-            </a:pPr>
-            <a:endParaRPr lang="bg-BG" dirty="0" smtClean="0"/>
-          </a:p>
-          <a:p>
-            <a:pPr>
-              <a:buFont typeface="Arial" panose="020B0604020202020204" pitchFamily="34" charset="0"/>
-              <a:buChar char="•"/>
-            </a:pPr>
-            <a:endParaRPr lang="bg-BG" dirty="0" smtClean="0"/>
-          </a:p>
-          <a:p>
-            <a:pPr>
-              <a:buFont typeface="Arial" panose="020B0604020202020204" pitchFamily="34" charset="0"/>
-              <a:buChar char="•"/>
-            </a:pPr>
-            <a:endParaRPr lang="bg-BG" dirty="0" smtClean="0"/>
-          </a:p>
-          <a:p>
-            <a:pPr marL="0" indent="0">
-              <a:buNone/>
-            </a:pPr>
-            <a:endParaRPr lang="bg-BG" dirty="0"/>
-          </a:p>
-        </p:txBody>
-      </p:sp>
-      <p:pic>
-        <p:nvPicPr>
-          <p:cNvPr id="5" name="Picture 4"/>
-          <p:cNvPicPr>
-            <a:picLocks noChangeAspect="1"/>
-          </p:cNvPicPr>
-          <p:nvPr/>
-        </p:nvPicPr>
-        <p:blipFill>
-          <a:blip r:embed="rId2"/>
-          <a:stretch>
-            <a:fillRect/>
-          </a:stretch>
-        </p:blipFill>
-        <p:spPr>
-          <a:xfrm>
-            <a:off x="8576092" y="4146998"/>
-            <a:ext cx="3438421" cy="2541900"/>
-          </a:xfrm>
-          <a:prstGeom prst="rect">
-            <a:avLst/>
-          </a:prstGeom>
-        </p:spPr>
-      </p:pic>
-    </p:spTree>
-    <p:extLst>
-      <p:ext uri="{BB962C8B-B14F-4D97-AF65-F5344CB8AC3E}">
-        <p14:creationId xmlns:p14="http://schemas.microsoft.com/office/powerpoint/2010/main" val="4111573125"/>
-      </p:ext>
-    </p:extLst>
-  </p:cSld>
-  <p:clrMapOvr>
-    <a:masterClrMapping/>
-  </p:clrMapOvr>
-  <p:timing>
-    <p:tnLst>
-      <p:par>
-        <p:cTn id="1" dur="indefinite" restart="never" nodeType="tmRoot">
-          <p:childTnLst>
-            <p:seq concurrent="1" nextAc="seek">
-              <p:cTn id="2" dur="indefinite" nodeType="mainSeq">
-                <p:childTnLst>
-                  <p:par>
-                    <p:cTn id="3" fill="hold">
-                      <p:stCondLst>
-                        <p:cond delay="indefinite"/>
-                      </p:stCondLst>
-                      <p:childTnLst>
-                        <p:par>
-                          <p:cTn id="4" fill="hold">
-                            <p:stCondLst>
-                              <p:cond delay="0"/>
-                            </p:stCondLst>
-                            <p:childTnLst>
-                              <p:par>
-                                <p:cTn id="5" presetID="6" presetClass="entr" presetSubtype="16" fill="hold" grpId="0" nodeType="clickEffect">
-                                  <p:stCondLst>
-                                    <p:cond delay="0"/>
-                                  </p:stCondLst>
-                                  <p:childTnLst>
-                                    <p:set>
-                                      <p:cBhvr>
-                                        <p:cTn id="6" dur="1" fill="hold">
-                                          <p:stCondLst>
-                                            <p:cond delay="0"/>
-                                          </p:stCondLst>
-                                        </p:cTn>
-                                        <p:tgtEl>
-                                          <p:spTgt spid="2"/>
-                                        </p:tgtEl>
-                                        <p:attrNameLst>
-                                          <p:attrName>style.visibility</p:attrName>
-                                        </p:attrNameLst>
-                                      </p:cBhvr>
-                                      <p:to>
-                                        <p:strVal val="visible"/>
-                                      </p:to>
-                                    </p:set>
-                                    <p:animEffect transition="in" filter="circle(in)">
-                                      <p:cBhvr>
-                                        <p:cTn id="7" dur="2250"/>
-                                        <p:tgtEl>
-                                          <p:spTgt spid="2"/>
-                                        </p:tgtEl>
-                                      </p:cBhvr>
-                                    </p:animEffect>
-                                  </p:childTnLst>
-                                </p:cTn>
-                              </p:par>
-                            </p:childTnLst>
-                          </p:cTn>
-                        </p:par>
-                      </p:childTnLst>
-                    </p:cTn>
-                  </p:par>
-                  <p:par>
-                    <p:cTn id="8" fill="hold">
-                      <p:stCondLst>
-                        <p:cond delay="indefinite"/>
-                      </p:stCondLst>
-                      <p:childTnLst>
-                        <p:par>
-                          <p:cTn id="9" fill="hold">
-                            <p:stCondLst>
-                              <p:cond delay="0"/>
-                            </p:stCondLst>
-                            <p:childTnLst>
-                              <p:par>
-                                <p:cTn id="10" presetID="16" presetClass="entr" presetSubtype="21" fill="hold" grpId="0" nodeType="clickEffect">
-                                  <p:stCondLst>
-                                    <p:cond delay="0"/>
+                                    <p:cond delay="250"/>
                                   </p:stCondLst>
                                   <p:childTnLst>
                                     <p:set>
@@ -8287,37 +7903,270 @@
                       </p:childTnLst>
                     </p:cTn>
                   </p:par>
+                </p:childTnLst>
+              </p:cTn>
+              <p:prevCondLst>
+                <p:cond evt="onPrev" delay="0">
+                  <p:tgtEl>
+                    <p:sldTgt/>
+                  </p:tgtEl>
+                </p:cond>
+              </p:prevCondLst>
+              <p:nextCondLst>
+                <p:cond evt="onNext" delay="0">
+                  <p:tgtEl>
+                    <p:sldTgt/>
+                  </p:tgtEl>
+                </p:cond>
+              </p:nextCondLst>
+            </p:seq>
+          </p:childTnLst>
+        </p:cTn>
+      </p:par>
+    </p:tnLst>
+    <p:bldLst>
+      <p:bldP spid="2" grpId="0"/>
+      <p:bldP spid="3" grpId="0" build="p"/>
+    </p:bldLst>
+  </p:timing>
+</p:sld>
+</file>
+
+<file path=ppt/slides/slide10.xml><?xml version="1.0" encoding="utf-8"?>
+<p:sld xmlns:a="http://schemas.openxmlformats.org/drawingml/2006/main" xmlns:r="http://schemas.openxmlformats.org/officeDocument/2006/relationships" xmlns:p="http://schemas.openxmlformats.org/presentationml/2006/main">
+  <p:cSld>
+    <p:spTree>
+      <p:nvGrpSpPr>
+        <p:cNvPr id="1" name=""/>
+        <p:cNvGrpSpPr/>
+        <p:nvPr/>
+      </p:nvGrpSpPr>
+      <p:grpSpPr>
+        <a:xfrm>
+          <a:off x="0" y="0"/>
+          <a:ext cx="0" cy="0"/>
+          <a:chOff x="0" y="0"/>
+          <a:chExt cx="0" cy="0"/>
+        </a:xfrm>
+      </p:grpSpPr>
+      <p:sp>
+        <p:nvSpPr>
+          <p:cNvPr id="2" name="Title 1"/>
+          <p:cNvSpPr>
+            <a:spLocks noGrp="1"/>
+          </p:cNvSpPr>
+          <p:nvPr>
+            <p:ph type="title"/>
+          </p:nvPr>
+        </p:nvSpPr>
+        <p:spPr/>
+        <p:txBody>
+          <a:bodyPr/>
+          <a:lstStyle/>
+          <a:p>
+            <a:r>
+              <a:rPr lang="bg-BG" dirty="0" smtClean="0"/>
+              <a:t>Изпълнение на проекта</a:t>
+            </a:r>
+            <a:endParaRPr lang="bg-BG" dirty="0"/>
+          </a:p>
+        </p:txBody>
+      </p:sp>
+      <p:sp>
+        <p:nvSpPr>
+          <p:cNvPr id="3" name="Content Placeholder 2"/>
+          <p:cNvSpPr>
+            <a:spLocks noGrp="1"/>
+          </p:cNvSpPr>
+          <p:nvPr>
+            <p:ph idx="1"/>
+          </p:nvPr>
+        </p:nvSpPr>
+        <p:spPr/>
+        <p:txBody>
+          <a:bodyPr/>
+          <a:lstStyle/>
+          <a:p>
+            <a:r>
+              <a:rPr lang="bg-BG" dirty="0" smtClean="0"/>
+              <a:t>Кристиян Стоименов, Виолета Кабаджова, Стефани Стайкова – </a:t>
+            </a:r>
+            <a:r>
+              <a:rPr lang="en-US" dirty="0" smtClean="0"/>
+              <a:t>code</a:t>
+            </a:r>
+          </a:p>
+          <a:p>
+            <a:endParaRPr lang="bg-BG" dirty="0" smtClean="0"/>
+          </a:p>
+          <a:p>
+            <a:r>
+              <a:rPr lang="bg-BG" dirty="0" smtClean="0"/>
+              <a:t>Стела Касабова, Стефан Босев – </a:t>
+            </a:r>
+            <a:r>
+              <a:rPr lang="en-US" dirty="0" smtClean="0"/>
+              <a:t>graphics </a:t>
+            </a:r>
+          </a:p>
+          <a:p>
+            <a:endParaRPr lang="en-US" dirty="0"/>
+          </a:p>
+          <a:p>
+            <a:r>
+              <a:rPr lang="bg-BG" dirty="0" smtClean="0"/>
+              <a:t>Стефан Босев – </a:t>
+            </a:r>
+            <a:r>
+              <a:rPr lang="en-US" dirty="0" smtClean="0"/>
+              <a:t>sounds and presentation</a:t>
+            </a:r>
+          </a:p>
+        </p:txBody>
+      </p:sp>
+    </p:spTree>
+    <p:extLst>
+      <p:ext uri="{BB962C8B-B14F-4D97-AF65-F5344CB8AC3E}">
+        <p14:creationId xmlns:p14="http://schemas.microsoft.com/office/powerpoint/2010/main" val="1795358283"/>
+      </p:ext>
+    </p:extLst>
+  </p:cSld>
+  <p:clrMapOvr>
+    <a:masterClrMapping/>
+  </p:clrMapOvr>
+  <p:timing>
+    <p:tnLst>
+      <p:par>
+        <p:cTn id="1" dur="indefinite" restart="never" nodeType="tmRoot"/>
+      </p:par>
+    </p:tnLst>
+  </p:timing>
+</p:sld>
+</file>
+
+<file path=ppt/slides/slide11.xml><?xml version="1.0" encoding="utf-8"?>
+<p:sld xmlns:a="http://schemas.openxmlformats.org/drawingml/2006/main" xmlns:r="http://schemas.openxmlformats.org/officeDocument/2006/relationships" xmlns:p="http://schemas.openxmlformats.org/presentationml/2006/main">
+  <p:cSld>
+    <p:spTree>
+      <p:nvGrpSpPr>
+        <p:cNvPr id="1" name=""/>
+        <p:cNvGrpSpPr/>
+        <p:nvPr/>
+      </p:nvGrpSpPr>
+      <p:grpSpPr>
+        <a:xfrm>
+          <a:off x="0" y="0"/>
+          <a:ext cx="0" cy="0"/>
+          <a:chOff x="0" y="0"/>
+          <a:chExt cx="0" cy="0"/>
+        </a:xfrm>
+      </p:grpSpPr>
+      <p:sp>
+        <p:nvSpPr>
+          <p:cNvPr id="4" name="Title 3"/>
+          <p:cNvSpPr>
+            <a:spLocks noGrp="1"/>
+          </p:cNvSpPr>
+          <p:nvPr>
+            <p:ph type="title"/>
+          </p:nvPr>
+        </p:nvSpPr>
+        <p:spPr>
+          <a:xfrm>
+            <a:off x="2592924" y="2918012"/>
+            <a:ext cx="8911687" cy="739588"/>
+          </a:xfrm>
+        </p:spPr>
+        <p:txBody>
+          <a:bodyPr/>
+          <a:lstStyle/>
+          <a:p>
+            <a:r>
+              <a:rPr lang="bg-BG" dirty="0" smtClean="0"/>
+              <a:t>Благодаря за вниманието</a:t>
+            </a:r>
+            <a:endParaRPr lang="bg-BG" dirty="0"/>
+          </a:p>
+        </p:txBody>
+      </p:sp>
+      <p:pic>
+        <p:nvPicPr>
+          <p:cNvPr id="2" name="Picture 1"/>
+          <p:cNvPicPr>
+            <a:picLocks noChangeAspect="1"/>
+          </p:cNvPicPr>
+          <p:nvPr/>
+        </p:nvPicPr>
+        <p:blipFill>
+          <a:blip r:embed="rId2">
+            <a:extLst>
+              <a:ext uri="{28A0092B-C50C-407E-A947-70E740481C1C}">
+                <a14:useLocalDpi xmlns:a14="http://schemas.microsoft.com/office/drawing/2010/main" val="0"/>
+              </a:ext>
+            </a:extLst>
+          </a:blip>
+          <a:stretch>
+            <a:fillRect/>
+          </a:stretch>
+        </p:blipFill>
+        <p:spPr>
+          <a:xfrm>
+            <a:off x="0" y="0"/>
+            <a:ext cx="12192000" cy="7166875"/>
+          </a:xfrm>
+          <a:prstGeom prst="rect">
+            <a:avLst/>
+          </a:prstGeom>
+        </p:spPr>
+      </p:pic>
+    </p:spTree>
+    <p:extLst>
+      <p:ext uri="{BB962C8B-B14F-4D97-AF65-F5344CB8AC3E}">
+        <p14:creationId xmlns:p14="http://schemas.microsoft.com/office/powerpoint/2010/main" val="650644620"/>
+      </p:ext>
+    </p:extLst>
+  </p:cSld>
+  <p:clrMapOvr>
+    <a:masterClrMapping/>
+  </p:clrMapOvr>
+  <p:timing>
+    <p:tnLst>
+      <p:par>
+        <p:cTn id="1" dur="indefinite" restart="never" nodeType="tmRoot">
+          <p:childTnLst>
+            <p:seq concurrent="1" nextAc="seek">
+              <p:cTn id="2" dur="indefinite" nodeType="mainSeq">
+                <p:childTnLst>
                   <p:par>
-                    <p:cTn id="13" fill="hold">
+                    <p:cTn id="3" fill="hold">
                       <p:stCondLst>
                         <p:cond delay="indefinite"/>
+                        <p:cond evt="onBegin" delay="0">
+                          <p:tn val="2"/>
+                        </p:cond>
                       </p:stCondLst>
                       <p:childTnLst>
                         <p:par>
-                          <p:cTn id="14" fill="hold">
+                          <p:cTn id="4" fill="hold">
                             <p:stCondLst>
                               <p:cond delay="0"/>
                             </p:stCondLst>
                             <p:childTnLst>
                               <p:par>
-                                <p:cTn id="15" presetID="16" presetClass="entr" presetSubtype="21" fill="hold" grpId="0" nodeType="clickEffect">
+                                <p:cTn id="5" presetID="42" presetClass="entr" presetSubtype="0" fill="hold" grpId="0" nodeType="afterEffect">
                                   <p:stCondLst>
-                                    <p:cond delay="0"/>
+                                    <p:cond delay="500"/>
                                   </p:stCondLst>
                                   <p:childTnLst>
                                     <p:set>
                                       <p:cBhvr>
-                                        <p:cTn id="16" dur="1" fill="hold">
+                                        <p:cTn id="6" dur="1" fill="hold">
                                           <p:stCondLst>
                                             <p:cond delay="0"/>
                                           </p:stCondLst>
                                         </p:cTn>
                                         <p:tgtEl>
-                                          <p:spTgt spid="3">
-                                            <p:txEl>
-                                              <p:pRg st="1" end="1"/>
-                                            </p:txEl>
-                                          </p:spTgt>
+                                          <p:spTgt spid="4"/>
                                         </p:tgtEl>
                                         <p:attrNameLst>
                                           <p:attrName>style.visibility</p:attrName>
@@ -8327,175 +8176,60 @@
                                         <p:strVal val="visible"/>
                                       </p:to>
                                     </p:set>
-                                    <p:animEffect transition="in" filter="barn(inVertical)">
+                                    <p:animEffect transition="in" filter="fade">
                                       <p:cBhvr>
-                                        <p:cTn id="17" dur="1000"/>
+                                        <p:cTn id="7" dur="1000"/>
                                         <p:tgtEl>
-                                          <p:spTgt spid="3">
-                                            <p:txEl>
-                                              <p:pRg st="1" end="1"/>
-                                            </p:txEl>
-                                          </p:spTgt>
+                                          <p:spTgt spid="4"/>
                                         </p:tgtEl>
                                       </p:cBhvr>
                                     </p:animEffect>
-                                  </p:childTnLst>
-                                </p:cTn>
-                              </p:par>
-                            </p:childTnLst>
-                          </p:cTn>
-                        </p:par>
-                      </p:childTnLst>
-                    </p:cTn>
-                  </p:par>
-                  <p:par>
-                    <p:cTn id="18" fill="hold">
-                      <p:stCondLst>
-                        <p:cond delay="indefinite"/>
-                      </p:stCondLst>
-                      <p:childTnLst>
-                        <p:par>
-                          <p:cTn id="19" fill="hold">
-                            <p:stCondLst>
-                              <p:cond delay="0"/>
-                            </p:stCondLst>
-                            <p:childTnLst>
-                              <p:par>
-                                <p:cTn id="20" presetID="16" presetClass="entr" presetSubtype="21" fill="hold" grpId="0" nodeType="clickEffect">
-                                  <p:stCondLst>
-                                    <p:cond delay="0"/>
-                                  </p:stCondLst>
-                                  <p:childTnLst>
-                                    <p:set>
+                                    <p:anim calcmode="lin" valueType="num">
                                       <p:cBhvr>
-                                        <p:cTn id="21" dur="1" fill="hold">
-                                          <p:stCondLst>
-                                            <p:cond delay="0"/>
-                                          </p:stCondLst>
-                                        </p:cTn>
+                                        <p:cTn id="8" dur="1000" fill="hold"/>
                                         <p:tgtEl>
-                                          <p:spTgt spid="3">
-                                            <p:txEl>
-                                              <p:pRg st="4" end="4"/>
-                                            </p:txEl>
-                                          </p:spTgt>
+                                          <p:spTgt spid="4"/>
                                         </p:tgtEl>
                                         <p:attrNameLst>
-                                          <p:attrName>style.visibility</p:attrName>
+                                          <p:attrName>ppt_x</p:attrName>
                                         </p:attrNameLst>
                                       </p:cBhvr>
-                                      <p:to>
-                                        <p:strVal val="visible"/>
-                                      </p:to>
-                                    </p:set>
-                                    <p:animEffect transition="in" filter="barn(inVertical)">
+                                      <p:tavLst>
+                                        <p:tav tm="0">
+                                          <p:val>
+                                            <p:strVal val="#ppt_x"/>
+                                          </p:val>
+                                        </p:tav>
+                                        <p:tav tm="100000">
+                                          <p:val>
+                                            <p:strVal val="#ppt_x"/>
+                                          </p:val>
+                                        </p:tav>
+                                      </p:tavLst>
+                                    </p:anim>
+                                    <p:anim calcmode="lin" valueType="num">
                                       <p:cBhvr>
-                                        <p:cTn id="22" dur="1000"/>
+                                        <p:cTn id="9" dur="1000" fill="hold"/>
                                         <p:tgtEl>
-                                          <p:spTgt spid="3">
-                                            <p:txEl>
-                                              <p:pRg st="4" end="4"/>
-                                            </p:txEl>
-                                          </p:spTgt>
-                                        </p:tgtEl>
-                                      </p:cBhvr>
-                                    </p:animEffect>
-                                  </p:childTnLst>
-                                </p:cTn>
-                              </p:par>
-                            </p:childTnLst>
-                          </p:cTn>
-                        </p:par>
-                      </p:childTnLst>
-                    </p:cTn>
-                  </p:par>
-                  <p:par>
-                    <p:cTn id="23" fill="hold">
-                      <p:stCondLst>
-                        <p:cond delay="indefinite"/>
-                      </p:stCondLst>
-                      <p:childTnLst>
-                        <p:par>
-                          <p:cTn id="24" fill="hold">
-                            <p:stCondLst>
-                              <p:cond delay="0"/>
-                            </p:stCondLst>
-                            <p:childTnLst>
-                              <p:par>
-                                <p:cTn id="25" presetID="16" presetClass="entr" presetSubtype="21" fill="hold" grpId="0" nodeType="clickEffect">
-                                  <p:stCondLst>
-                                    <p:cond delay="1000"/>
-                                  </p:stCondLst>
-                                  <p:childTnLst>
-                                    <p:set>
-                                      <p:cBhvr>
-                                        <p:cTn id="26" dur="1" fill="hold">
-                                          <p:stCondLst>
-                                            <p:cond delay="0"/>
-                                          </p:stCondLst>
-                                        </p:cTn>
-                                        <p:tgtEl>
-                                          <p:spTgt spid="3">
-                                            <p:txEl>
-                                              <p:pRg st="7" end="7"/>
-                                            </p:txEl>
-                                          </p:spTgt>
+                                          <p:spTgt spid="4"/>
                                         </p:tgtEl>
                                         <p:attrNameLst>
-                                          <p:attrName>style.visibility</p:attrName>
+                                          <p:attrName>ppt_y</p:attrName>
                                         </p:attrNameLst>
                                       </p:cBhvr>
-                                      <p:to>
-                                        <p:strVal val="visible"/>
-                                      </p:to>
-                                    </p:set>
-                                    <p:animEffect transition="in" filter="barn(inVertical)">
-                                      <p:cBhvr>
-                                        <p:cTn id="27" dur="500"/>
-                                        <p:tgtEl>
-                                          <p:spTgt spid="3">
-                                            <p:txEl>
-                                              <p:pRg st="7" end="7"/>
-                                            </p:txEl>
-                                          </p:spTgt>
-                                        </p:tgtEl>
-                                      </p:cBhvr>
-                                    </p:animEffect>
-                                  </p:childTnLst>
-                                </p:cTn>
-                              </p:par>
-                              <p:par>
-                                <p:cTn id="28" presetID="16" presetClass="entr" presetSubtype="21" fill="hold" nodeType="withEffect">
-                                  <p:stCondLst>
-                                    <p:cond delay="1000"/>
-                                  </p:stCondLst>
-                                  <p:childTnLst>
-                                    <p:set>
-                                      <p:cBhvr>
-                                        <p:cTn id="29" dur="1" fill="hold">
-                                          <p:stCondLst>
-                                            <p:cond delay="0"/>
-                                          </p:stCondLst>
-                                        </p:cTn>
-                                        <p:tgtEl>
-                                          <p:spTgt spid="5"/>
-                                        </p:tgtEl>
-                                        <p:attrNameLst>
-                                          <p:attrName>style.visibility</p:attrName>
-                                        </p:attrNameLst>
-                                      </p:cBhvr>
-                                      <p:to>
-                                        <p:strVal val="visible"/>
-                                      </p:to>
-                                    </p:set>
-                                    <p:animEffect transition="in" filter="barn(inVertical)">
-                                      <p:cBhvr>
-                                        <p:cTn id="30" dur="500"/>
-                                        <p:tgtEl>
-                                          <p:spTgt spid="5"/>
-                                        </p:tgtEl>
-                                      </p:cBhvr>
-                                    </p:animEffect>
+                                      <p:tavLst>
+                                        <p:tav tm="0">
+                                          <p:val>
+                                            <p:strVal val="#ppt_y+.1"/>
+                                          </p:val>
+                                        </p:tav>
+                                        <p:tav tm="100000">
+                                          <p:val>
+                                            <p:strVal val="#ppt_y"/>
+                                          </p:val>
+                                        </p:tav>
+                                      </p:tavLst>
+                                    </p:anim>
                                   </p:childTnLst>
                                 </p:cTn>
                               </p:par>
@@ -8527,9 +8261,180 @@
       </p:par>
     </p:tnLst>
     <p:bldLst>
-      <p:bldP spid="2" grpId="0"/>
-      <p:bldP spid="3" grpId="0" uiExpand="1" build="p"/>
+      <p:bldP spid="4" grpId="0"/>
     </p:bldLst>
+  </p:timing>
+</p:sld>
+</file>
+
+<file path=ppt/slides/slide2.xml><?xml version="1.0" encoding="utf-8"?>
+<p:sld xmlns:a="http://schemas.openxmlformats.org/drawingml/2006/main" xmlns:r="http://schemas.openxmlformats.org/officeDocument/2006/relationships" xmlns:p="http://schemas.openxmlformats.org/presentationml/2006/main">
+  <p:cSld>
+    <p:spTree>
+      <p:nvGrpSpPr>
+        <p:cNvPr id="1" name=""/>
+        <p:cNvGrpSpPr/>
+        <p:nvPr/>
+      </p:nvGrpSpPr>
+      <p:grpSpPr>
+        <a:xfrm>
+          <a:off x="0" y="0"/>
+          <a:ext cx="0" cy="0"/>
+          <a:chOff x="0" y="0"/>
+          <a:chExt cx="0" cy="0"/>
+        </a:xfrm>
+      </p:grpSpPr>
+      <p:sp>
+        <p:nvSpPr>
+          <p:cNvPr id="3" name="Title 2"/>
+          <p:cNvSpPr>
+            <a:spLocks noGrp="1"/>
+          </p:cNvSpPr>
+          <p:nvPr>
+            <p:ph type="title"/>
+          </p:nvPr>
+        </p:nvSpPr>
+        <p:spPr/>
+        <p:txBody>
+          <a:bodyPr/>
+          <a:lstStyle/>
+          <a:p>
+            <a:r>
+              <a:rPr lang="bg-BG" dirty="0" smtClean="0"/>
+              <a:t>Съдържание</a:t>
+            </a:r>
+            <a:endParaRPr lang="bg-BG" dirty="0"/>
+          </a:p>
+        </p:txBody>
+      </p:sp>
+      <p:sp>
+        <p:nvSpPr>
+          <p:cNvPr id="4" name="Content Placeholder 3"/>
+          <p:cNvSpPr>
+            <a:spLocks noGrp="1"/>
+          </p:cNvSpPr>
+          <p:nvPr>
+            <p:ph idx="1"/>
+          </p:nvPr>
+        </p:nvSpPr>
+        <p:spPr/>
+        <p:txBody>
+          <a:bodyPr/>
+          <a:lstStyle/>
+          <a:p>
+            <a:pPr>
+              <a:buFont typeface="+mj-lt"/>
+              <a:buAutoNum type="arabicPeriod"/>
+            </a:pPr>
+            <a:r>
+              <a:rPr lang="bg-BG" dirty="0" smtClean="0"/>
+              <a:t>Какво представлява играта</a:t>
+            </a:r>
+            <a:endParaRPr lang="en-US" dirty="0" smtClean="0"/>
+          </a:p>
+          <a:p>
+            <a:pPr>
+              <a:buFont typeface="+mj-lt"/>
+              <a:buAutoNum type="arabicPeriod"/>
+            </a:pPr>
+            <a:endParaRPr lang="bg-BG" dirty="0" smtClean="0"/>
+          </a:p>
+          <a:p>
+            <a:pPr>
+              <a:buFont typeface="+mj-lt"/>
+              <a:buAutoNum type="arabicPeriod"/>
+            </a:pPr>
+            <a:r>
+              <a:rPr lang="bg-BG" dirty="0" smtClean="0"/>
+              <a:t>Свързаност с темата</a:t>
+            </a:r>
+            <a:endParaRPr lang="en-US" dirty="0" smtClean="0"/>
+          </a:p>
+          <a:p>
+            <a:pPr>
+              <a:buFont typeface="+mj-lt"/>
+              <a:buAutoNum type="arabicPeriod"/>
+            </a:pPr>
+            <a:endParaRPr lang="bg-BG" dirty="0" smtClean="0"/>
+          </a:p>
+          <a:p>
+            <a:pPr>
+              <a:buFont typeface="+mj-lt"/>
+              <a:buAutoNum type="arabicPeriod"/>
+            </a:pPr>
+            <a:r>
+              <a:rPr lang="bg-BG" dirty="0" smtClean="0"/>
+              <a:t>Оригинална идея</a:t>
+            </a:r>
+            <a:endParaRPr lang="en-US" dirty="0" smtClean="0"/>
+          </a:p>
+          <a:p>
+            <a:pPr>
+              <a:buFont typeface="+mj-lt"/>
+              <a:buAutoNum type="arabicPeriod"/>
+            </a:pPr>
+            <a:endParaRPr lang="bg-BG" dirty="0" smtClean="0"/>
+          </a:p>
+          <a:p>
+            <a:pPr>
+              <a:buFont typeface="+mj-lt"/>
+              <a:buAutoNum type="arabicPeriod"/>
+            </a:pPr>
+            <a:r>
+              <a:rPr lang="bg-BG" dirty="0" smtClean="0"/>
+              <a:t>Използвани технологии</a:t>
+            </a:r>
+            <a:endParaRPr lang="en-US" dirty="0" smtClean="0"/>
+          </a:p>
+          <a:p>
+            <a:pPr>
+              <a:buFont typeface="+mj-lt"/>
+              <a:buAutoNum type="arabicPeriod"/>
+            </a:pPr>
+            <a:endParaRPr lang="bg-BG" dirty="0" smtClean="0"/>
+          </a:p>
+          <a:p>
+            <a:pPr>
+              <a:buFont typeface="+mj-lt"/>
+              <a:buAutoNum type="arabicPeriod"/>
+            </a:pPr>
+            <a:r>
+              <a:rPr lang="bg-BG" dirty="0" smtClean="0"/>
+              <a:t>Изпълнение на проекта</a:t>
+            </a:r>
+          </a:p>
+          <a:p>
+            <a:pPr>
+              <a:buFont typeface="+mj-lt"/>
+              <a:buAutoNum type="arabicPeriod"/>
+            </a:pPr>
+            <a:endParaRPr lang="bg-BG" dirty="0" smtClean="0"/>
+          </a:p>
+          <a:p>
+            <a:pPr>
+              <a:buFont typeface="+mj-lt"/>
+              <a:buAutoNum type="arabicPeriod"/>
+            </a:pPr>
+            <a:endParaRPr lang="bg-BG" dirty="0"/>
+          </a:p>
+        </p:txBody>
+      </p:sp>
+    </p:spTree>
+    <p:extLst>
+      <p:ext uri="{BB962C8B-B14F-4D97-AF65-F5344CB8AC3E}">
+        <p14:creationId xmlns:p14="http://schemas.microsoft.com/office/powerpoint/2010/main" val="1634216636"/>
+      </p:ext>
+    </p:extLst>
+  </p:cSld>
+  <p:clrMapOvr>
+    <a:masterClrMapping/>
+  </p:clrMapOvr>
+  <p:timing>
+    <p:tnLst>
+      <p:par>
+        <p:cTn id="1" dur="indefinite" restart="never" nodeType="tmRoot"/>
+      </p:par>
+    </p:tnLst>
   </p:timing>
 </p:sld>
 </file>
@@ -8568,7 +8473,7 @@
           <a:p>
             <a:r>
               <a:rPr lang="bg-BG" dirty="0" smtClean="0"/>
-              <a:t>Защо бихте избрали нашата игра</a:t>
+              <a:t>Какво представлява играта</a:t>
             </a:r>
             <a:endParaRPr lang="bg-BG" dirty="0"/>
           </a:p>
@@ -8584,7 +8489,12 @@
             <p:ph idx="1"/>
           </p:nvPr>
         </p:nvSpPr>
-        <p:spPr/>
+        <p:spPr>
+          <a:xfrm>
+            <a:off x="2589212" y="2133600"/>
+            <a:ext cx="8915400" cy="4724400"/>
+          </a:xfrm>
+        </p:spPr>
         <p:txBody>
           <a:bodyPr/>
           <a:lstStyle/>
@@ -8595,7 +8505,7 @@
             </a:pPr>
             <a:r>
               <a:rPr lang="bg-BG" dirty="0" smtClean="0"/>
-              <a:t>Атрактивна</a:t>
+              <a:t>Избираш герой.</a:t>
             </a:r>
           </a:p>
           <a:p>
@@ -8605,7 +8515,7 @@
             </a:pPr>
             <a:r>
               <a:rPr lang="bg-BG" dirty="0" smtClean="0"/>
-              <a:t>Занимателна</a:t>
+              <a:t>Натискаш старт</a:t>
             </a:r>
           </a:p>
           <a:p>
@@ -8614,37 +8524,98 @@
               <a:buAutoNum type="arabicPeriod"/>
             </a:pPr>
             <a:r>
+              <a:rPr lang="bg-BG" dirty="0"/>
+              <a:t>И</a:t>
+            </a:r>
+            <a:r>
               <a:rPr lang="bg-BG" dirty="0" smtClean="0"/>
-              <a:t>Лесни контроли</a:t>
-            </a:r>
+              <a:t>граеш</a:t>
+            </a:r>
+            <a:endParaRPr lang="en-US" dirty="0" smtClean="0"/>
+          </a:p>
+          <a:p>
+            <a:pPr marL="0" indent="0">
+              <a:buNone/>
+            </a:pPr>
+            <a:endParaRPr lang="en-US" dirty="0" smtClean="0"/>
           </a:p>
           <a:p>
             <a:pPr>
-              <a:buFont typeface="+mj-lt"/>
-              <a:buAutoNum type="arabicPeriod"/>
+              <a:buFont typeface="Arial" panose="020B0604020202020204" pitchFamily="34" charset="0"/>
+              <a:buChar char="•"/>
             </a:pPr>
-            <a:r>
-              <a:rPr lang="bg-BG" dirty="0" smtClean="0"/>
-              <a:t>Зарибяваща</a:t>
-            </a:r>
+            <a:endParaRPr lang="bg-BG" dirty="0" smtClean="0"/>
           </a:p>
           <a:p>
             <a:pPr>
-              <a:buFont typeface="+mj-lt"/>
-              <a:buAutoNum type="arabicPeriod"/>
+              <a:buFont typeface="Arial" panose="020B0604020202020204" pitchFamily="34" charset="0"/>
+              <a:buChar char="•"/>
             </a:pPr>
-            <a:r>
-              <a:rPr lang="bg-BG" dirty="0" smtClean="0"/>
-              <a:t>Образователна</a:t>
-            </a:r>
+            <a:endParaRPr lang="bg-BG" dirty="0" smtClean="0"/>
+          </a:p>
+          <a:p>
+            <a:pPr marL="0" indent="0">
+              <a:buNone/>
+            </a:pPr>
+            <a:endParaRPr lang="en-US" dirty="0" smtClean="0"/>
+          </a:p>
+          <a:p>
+            <a:pPr>
+              <a:buFont typeface="Arial" panose="020B0604020202020204" pitchFamily="34" charset="0"/>
+              <a:buChar char="•"/>
+            </a:pPr>
+            <a:endParaRPr lang="bg-BG" dirty="0" smtClean="0"/>
+          </a:p>
+          <a:p>
+            <a:pPr>
+              <a:buFont typeface="Arial" panose="020B0604020202020204" pitchFamily="34" charset="0"/>
+              <a:buChar char="•"/>
+            </a:pPr>
+            <a:endParaRPr lang="bg-BG" dirty="0" smtClean="0"/>
+          </a:p>
+          <a:p>
+            <a:pPr>
+              <a:buFont typeface="Arial" panose="020B0604020202020204" pitchFamily="34" charset="0"/>
+              <a:buChar char="•"/>
+            </a:pPr>
+            <a:endParaRPr lang="bg-BG" dirty="0" smtClean="0"/>
+          </a:p>
+          <a:p>
+            <a:pPr marL="0" indent="0">
+              <a:buNone/>
+            </a:pPr>
             <a:endParaRPr lang="bg-BG" dirty="0"/>
           </a:p>
         </p:txBody>
       </p:sp>
+      <p:pic>
+        <p:nvPicPr>
+          <p:cNvPr id="5" name="Picture 4"/>
+          <p:cNvPicPr>
+            <a:picLocks noChangeAspect="1"/>
+          </p:cNvPicPr>
+          <p:nvPr/>
+        </p:nvPicPr>
+        <p:blipFill>
+          <a:blip r:embed="rId2"/>
+          <a:stretch>
+            <a:fillRect/>
+          </a:stretch>
+        </p:blipFill>
+        <p:spPr>
+          <a:xfrm>
+            <a:off x="7059791" y="3173334"/>
+            <a:ext cx="3438421" cy="2541900"/>
+          </a:xfrm>
+          <a:prstGeom prst="rect">
+            <a:avLst/>
+          </a:prstGeom>
+        </p:spPr>
+      </p:pic>
     </p:spTree>
     <p:extLst>
       <p:ext uri="{BB962C8B-B14F-4D97-AF65-F5344CB8AC3E}">
-        <p14:creationId xmlns:p14="http://schemas.microsoft.com/office/powerpoint/2010/main" val="1715638837"/>
+        <p14:creationId xmlns:p14="http://schemas.microsoft.com/office/powerpoint/2010/main" val="4111573125"/>
       </p:ext>
     </p:extLst>
   </p:cSld>
@@ -8680,7 +8651,7 @@
       </p:grpSpPr>
       <p:sp>
         <p:nvSpPr>
-          <p:cNvPr id="5" name="Title 4"/>
+          <p:cNvPr id="2" name="Title 1"/>
           <p:cNvSpPr>
             <a:spLocks noGrp="1"/>
           </p:cNvSpPr>
@@ -8695,7 +8666,7 @@
           <a:p>
             <a:r>
               <a:rPr lang="bg-BG" dirty="0" smtClean="0"/>
-              <a:t>Как тази игра е свързана с темата</a:t>
+              <a:t>Защо бихте избрали нашата игра</a:t>
             </a:r>
             <a:endParaRPr lang="bg-BG" dirty="0"/>
           </a:p>
@@ -8703,7 +8674,7 @@
       </p:sp>
       <p:sp>
         <p:nvSpPr>
-          <p:cNvPr id="6" name="Content Placeholder 5"/>
+          <p:cNvPr id="3" name="Content Placeholder 2"/>
           <p:cNvSpPr>
             <a:spLocks noGrp="1"/>
           </p:cNvSpPr>
@@ -8711,92 +8682,59 @@
             <p:ph idx="1"/>
           </p:nvPr>
         </p:nvSpPr>
-        <p:spPr>
-          <a:xfrm>
-            <a:off x="2589212" y="2133600"/>
-            <a:ext cx="8915400" cy="4086896"/>
-          </a:xfrm>
-        </p:spPr>
+        <p:spPr/>
         <p:txBody>
           <a:bodyPr/>
           <a:lstStyle/>
           <a:p>
             <a:pPr>
-              <a:buFont typeface="Arial" panose="020B0604020202020204" pitchFamily="34" charset="0"/>
-              <a:buChar char="•"/>
+              <a:buFont typeface="+mj-lt"/>
+              <a:buAutoNum type="arabicPeriod"/>
             </a:pPr>
             <a:r>
-              <a:rPr lang="bg-BG" dirty="0"/>
-              <a:t>М</a:t>
-            </a:r>
-            <a:r>
               <a:rPr lang="bg-BG" dirty="0" smtClean="0"/>
-              <a:t>ашини от </a:t>
-            </a:r>
-            <a:r>
-              <a:rPr lang="bg-BG" dirty="0"/>
-              <a:t>В</a:t>
-            </a:r>
+              <a:t>Атрактивна</a:t>
+            </a:r>
+          </a:p>
+          <a:p>
+            <a:pPr>
+              <a:buFont typeface="+mj-lt"/>
+              <a:buAutoNum type="arabicPeriod"/>
+            </a:pPr>
             <a:r>
               <a:rPr lang="bg-BG" dirty="0" smtClean="0"/>
-              <a:t>тората Световна Война</a:t>
+              <a:t>Занимателна</a:t>
             </a:r>
           </a:p>
           <a:p>
             <a:pPr>
-              <a:buFont typeface="Arial" panose="020B0604020202020204" pitchFamily="34" charset="0"/>
-              <a:buChar char="•"/>
+              <a:buFont typeface="+mj-lt"/>
+              <a:buAutoNum type="arabicPeriod"/>
             </a:pPr>
-            <a:endParaRPr lang="bg-BG" dirty="0" smtClean="0"/>
+            <a:r>
+              <a:rPr lang="bg-BG" dirty="0" smtClean="0"/>
+              <a:t>Лесни контроли</a:t>
+            </a:r>
           </a:p>
           <a:p>
             <a:pPr>
-              <a:buFont typeface="Arial" panose="020B0604020202020204" pitchFamily="34" charset="0"/>
-              <a:buChar char="•"/>
+              <a:buFont typeface="+mj-lt"/>
+              <a:buAutoNum type="arabicPeriod"/>
             </a:pPr>
-            <a:endParaRPr lang="bg-BG" dirty="0"/>
+            <a:r>
+              <a:rPr lang="bg-BG" dirty="0" smtClean="0"/>
+              <a:t>Зарибяваща</a:t>
+            </a:r>
           </a:p>
           <a:p>
             <a:pPr>
-              <a:buFont typeface="Arial" panose="020B0604020202020204" pitchFamily="34" charset="0"/>
-              <a:buChar char="•"/>
+              <a:buFont typeface="+mj-lt"/>
+              <a:buAutoNum type="arabicPeriod"/>
             </a:pPr>
-            <a:endParaRPr lang="bg-BG" dirty="0" smtClean="0"/>
-          </a:p>
-          <a:p>
-            <a:pPr>
-              <a:buFont typeface="Arial" panose="020B0604020202020204" pitchFamily="34" charset="0"/>
-              <a:buChar char="•"/>
-            </a:pPr>
-            <a:endParaRPr lang="bg-BG" dirty="0"/>
-          </a:p>
-          <a:p>
-            <a:pPr>
-              <a:buFont typeface="Arial" panose="020B0604020202020204" pitchFamily="34" charset="0"/>
-              <a:buChar char="•"/>
-            </a:pPr>
             <a:r>
               <a:rPr lang="bg-BG" dirty="0" smtClean="0"/>
-              <a:t>Разказва част от историята им, за да предизвика интерес</a:t>
-            </a:r>
-          </a:p>
-          <a:p>
-            <a:pPr marL="0" indent="0">
-              <a:buNone/>
-            </a:pPr>
-            <a:endParaRPr lang="bg-BG" dirty="0" smtClean="0"/>
-          </a:p>
-          <a:p>
-            <a:pPr>
-              <a:buFont typeface="Arial" panose="020B0604020202020204" pitchFamily="34" charset="0"/>
-              <a:buChar char="•"/>
-            </a:pPr>
-            <a:endParaRPr lang="bg-BG" dirty="0" smtClean="0"/>
-          </a:p>
-          <a:p>
-            <a:pPr marL="0" indent="0">
-              <a:buNone/>
-            </a:pPr>
+              <a:t>Образователна</a:t>
+            </a:r>
             <a:endParaRPr lang="bg-BG" dirty="0"/>
           </a:p>
         </p:txBody>
@@ -8804,7 +8742,7 @@
     </p:spTree>
     <p:extLst>
       <p:ext uri="{BB962C8B-B14F-4D97-AF65-F5344CB8AC3E}">
-        <p14:creationId xmlns:p14="http://schemas.microsoft.com/office/powerpoint/2010/main" val="2778511487"/>
+        <p14:creationId xmlns:p14="http://schemas.microsoft.com/office/powerpoint/2010/main" val="1715638837"/>
       </p:ext>
     </p:extLst>
   </p:cSld>
@@ -8840,7 +8778,7 @@
       </p:grpSpPr>
       <p:sp>
         <p:nvSpPr>
-          <p:cNvPr id="2" name="Title 1"/>
+          <p:cNvPr id="5" name="Title 4"/>
           <p:cNvSpPr>
             <a:spLocks noGrp="1"/>
           </p:cNvSpPr>
@@ -8855,7 +8793,7 @@
           <a:p>
             <a:r>
               <a:rPr lang="bg-BG" dirty="0" smtClean="0"/>
-              <a:t>Използвани технологии</a:t>
+              <a:t>Как тази игра е свързана с темата</a:t>
             </a:r>
             <a:endParaRPr lang="bg-BG" dirty="0"/>
           </a:p>
@@ -8863,7 +8801,7 @@
       </p:sp>
       <p:sp>
         <p:nvSpPr>
-          <p:cNvPr id="3" name="Content Placeholder 2"/>
+          <p:cNvPr id="6" name="Content Placeholder 5"/>
           <p:cNvSpPr>
             <a:spLocks noGrp="1"/>
           </p:cNvSpPr>
@@ -8871,7 +8809,12 @@
             <p:ph idx="1"/>
           </p:nvPr>
         </p:nvSpPr>
-        <p:spPr/>
+        <p:spPr>
+          <a:xfrm>
+            <a:off x="2589212" y="2133600"/>
+            <a:ext cx="8915400" cy="4086896"/>
+          </a:xfrm>
+        </p:spPr>
         <p:txBody>
           <a:bodyPr/>
           <a:lstStyle/>
@@ -8882,46 +8825,42 @@
             </a:pPr>
             <a:r>
               <a:rPr lang="bg-BG" dirty="0" smtClean="0"/>
-              <a:t>Програма за изпълнение на кода – </a:t>
+              <a:t> Събужда интерес към историята на Втората Световна Война</a:t>
             </a:r>
             <a:r>
               <a:rPr lang="en-US" dirty="0" smtClean="0"/>
-              <a:t>Python</a:t>
-            </a:r>
+              <a:t> </a:t>
+            </a:r>
+            <a:r>
+              <a:rPr lang="bg-BG" dirty="0" smtClean="0"/>
+              <a:t> </a:t>
+            </a:r>
+            <a:endParaRPr lang="bg-BG" dirty="0" smtClean="0"/>
           </a:p>
           <a:p>
             <a:pPr>
               <a:buFont typeface="Arial" panose="020B0604020202020204" pitchFamily="34" charset="0"/>
               <a:buChar char="•"/>
             </a:pPr>
-            <a:r>
-              <a:rPr lang="bg-BG" dirty="0" smtClean="0"/>
-              <a:t>Програми за създаване на графика – </a:t>
-            </a:r>
-            <a:r>
-              <a:rPr lang="en-US" dirty="0" smtClean="0"/>
-              <a:t>paint.net; paint; </a:t>
-            </a:r>
-            <a:r>
-              <a:rPr lang="en-US" dirty="0" err="1" smtClean="0"/>
-              <a:t>krit</a:t>
-            </a:r>
-            <a:r>
-              <a:rPr lang="en-US" dirty="0" err="1" smtClean="0"/>
-              <a:t>t</a:t>
-            </a:r>
-            <a:r>
-              <a:rPr lang="en-US" dirty="0" err="1" smtClean="0"/>
-              <a:t>a</a:t>
-            </a:r>
-            <a:endParaRPr lang="en-US" dirty="0" smtClean="0"/>
+            <a:endParaRPr lang="bg-BG" dirty="0" smtClean="0"/>
           </a:p>
           <a:p>
             <a:pPr>
               <a:buFont typeface="Arial" panose="020B0604020202020204" pitchFamily="34" charset="0"/>
               <a:buChar char="•"/>
             </a:pPr>
-            <a:endParaRPr lang="en-US" dirty="0"/>
+            <a:r>
+              <a:rPr lang="bg-BG" dirty="0" smtClean="0"/>
+              <a:t>Летателни апарати от същия период</a:t>
+            </a:r>
+            <a:endParaRPr lang="bg-BG" dirty="0"/>
+          </a:p>
+          <a:p>
+            <a:pPr>
+              <a:buFont typeface="Arial" panose="020B0604020202020204" pitchFamily="34" charset="0"/>
+              <a:buChar char="•"/>
+            </a:pPr>
+            <a:endParaRPr lang="bg-BG" dirty="0" smtClean="0"/>
           </a:p>
           <a:p>
             <a:pPr>
@@ -8930,12 +8869,55 @@
             </a:pPr>
             <a:endParaRPr lang="bg-BG" dirty="0"/>
           </a:p>
-        </p:txBody>
-      </p:sp>
+          <a:p>
+            <a:pPr marL="0" indent="0">
+              <a:buNone/>
+            </a:pPr>
+            <a:endParaRPr lang="bg-BG" dirty="0" smtClean="0"/>
+          </a:p>
+          <a:p>
+            <a:pPr>
+              <a:buFont typeface="Arial" panose="020B0604020202020204" pitchFamily="34" charset="0"/>
+              <a:buChar char="•"/>
+            </a:pPr>
+            <a:endParaRPr lang="bg-BG" dirty="0" smtClean="0"/>
+          </a:p>
+          <a:p>
+            <a:pPr marL="0" indent="0">
+              <a:buNone/>
+            </a:pPr>
+            <a:endParaRPr lang="bg-BG" dirty="0"/>
+          </a:p>
+        </p:txBody>
+      </p:sp>
+      <p:pic>
+        <p:nvPicPr>
+          <p:cNvPr id="3" name="Picture 2"/>
+          <p:cNvPicPr>
+            <a:picLocks noChangeAspect="1"/>
+          </p:cNvPicPr>
+          <p:nvPr/>
+        </p:nvPicPr>
+        <p:blipFill>
+          <a:blip r:embed="rId2"/>
+          <a:stretch>
+            <a:fillRect/>
+          </a:stretch>
+        </p:blipFill>
+        <p:spPr>
+          <a:xfrm>
+            <a:off x="7143230" y="3585315"/>
+            <a:ext cx="2305609" cy="2292126"/>
+          </a:xfrm>
+          <a:prstGeom prst="rect">
+            <a:avLst/>
+          </a:prstGeom>
+        </p:spPr>
+      </p:pic>
     </p:spTree>
     <p:extLst>
       <p:ext uri="{BB962C8B-B14F-4D97-AF65-F5344CB8AC3E}">
-        <p14:creationId xmlns:p14="http://schemas.microsoft.com/office/powerpoint/2010/main" val="3572151206"/>
+        <p14:creationId xmlns:p14="http://schemas.microsoft.com/office/powerpoint/2010/main" val="2778511487"/>
       </p:ext>
     </p:extLst>
   </p:cSld>
@@ -8971,36 +8953,550 @@
       </p:grpSpPr>
       <p:sp>
         <p:nvSpPr>
-          <p:cNvPr id="4" name="Title 3"/>
+          <p:cNvPr id="2" name="Title 1"/>
           <p:cNvSpPr>
             <a:spLocks noGrp="1"/>
           </p:cNvSpPr>
           <p:nvPr>
             <p:ph type="title"/>
+          </p:nvPr>
+        </p:nvSpPr>
+        <p:spPr/>
+        <p:txBody>
+          <a:bodyPr/>
+          <a:lstStyle/>
+          <a:p>
+            <a:r>
+              <a:rPr lang="bg-BG" dirty="0" smtClean="0"/>
+              <a:t>Каква е първоначалната идея</a:t>
+            </a:r>
+            <a:endParaRPr lang="bg-BG" dirty="0"/>
+          </a:p>
+        </p:txBody>
+      </p:sp>
+      <p:sp>
+        <p:nvSpPr>
+          <p:cNvPr id="3" name="Content Placeholder 2"/>
+          <p:cNvSpPr>
+            <a:spLocks noGrp="1"/>
+          </p:cNvSpPr>
+          <p:nvPr>
+            <p:ph idx="1"/>
           </p:nvPr>
         </p:nvSpPr>
         <p:spPr>
           <a:xfrm>
-            <a:off x="2592924" y="624110"/>
-            <a:ext cx="8911687" cy="1280890"/>
+            <a:off x="2589212" y="2133599"/>
+            <a:ext cx="8915400" cy="4460383"/>
           </a:xfrm>
         </p:spPr>
         <p:txBody>
-          <a:bodyPr/>
+          <a:bodyPr>
+            <a:normAutofit/>
+          </a:bodyPr>
           <a:lstStyle/>
           <a:p>
+            <a:pPr>
+              <a:buFont typeface="Wingdings" panose="05000000000000000000" pitchFamily="2" charset="2"/>
+              <a:buChar char="Ø"/>
+            </a:pPr>
+            <a:r>
+              <a:rPr lang="en-US" dirty="0" smtClean="0"/>
+              <a:t>Arcade game</a:t>
+            </a:r>
+          </a:p>
+          <a:p>
+            <a:pPr>
+              <a:buFont typeface="Wingdings" panose="05000000000000000000" pitchFamily="2" charset="2"/>
+              <a:buChar char="Ø"/>
+            </a:pPr>
+            <a:endParaRPr lang="en-US" dirty="0" smtClean="0"/>
+          </a:p>
+          <a:p>
+            <a:pPr>
+              <a:buFont typeface="Wingdings" panose="05000000000000000000" pitchFamily="2" charset="2"/>
+              <a:buChar char="Ø"/>
+            </a:pPr>
             <a:r>
               <a:rPr lang="bg-BG" dirty="0" smtClean="0"/>
-              <a:t>Може да зададете вашите въпроси</a:t>
-            </a:r>
-            <a:endParaRPr lang="bg-BG" dirty="0"/>
+              <a:t>Меню с </a:t>
+            </a:r>
+            <a:r>
+              <a:rPr lang="en-US" dirty="0" smtClean="0"/>
+              <a:t>shop, start the game </a:t>
+            </a:r>
+            <a:r>
+              <a:rPr lang="bg-BG" dirty="0" smtClean="0"/>
+              <a:t>и </a:t>
+            </a:r>
+            <a:r>
+              <a:rPr lang="en-US" dirty="0" smtClean="0"/>
+              <a:t>exit</a:t>
+            </a:r>
+          </a:p>
+          <a:p>
+            <a:pPr>
+              <a:buFont typeface="Wingdings" panose="05000000000000000000" pitchFamily="2" charset="2"/>
+              <a:buChar char="Ø"/>
+            </a:pPr>
+            <a:endParaRPr lang="en-US" dirty="0" smtClean="0"/>
+          </a:p>
+          <a:p>
+            <a:pPr>
+              <a:buFont typeface="Wingdings" panose="05000000000000000000" pitchFamily="2" charset="2"/>
+              <a:buChar char="Ø"/>
+            </a:pPr>
+            <a:r>
+              <a:rPr lang="bg-BG" dirty="0" smtClean="0"/>
+              <a:t>Магазинът </a:t>
+            </a:r>
+            <a:r>
+              <a:rPr lang="bg-BG" dirty="0"/>
+              <a:t>съдържа 5 вида самолети и един </a:t>
+            </a:r>
+            <a:r>
+              <a:rPr lang="en-US" dirty="0"/>
+              <a:t>Easter egg</a:t>
+            </a:r>
+          </a:p>
+          <a:p>
+            <a:pPr marL="0" indent="0">
+              <a:buNone/>
+            </a:pPr>
+            <a:endParaRPr lang="en-US" dirty="0"/>
+          </a:p>
+          <a:p>
+            <a:pPr>
+              <a:buFont typeface="Wingdings" panose="05000000000000000000" pitchFamily="2" charset="2"/>
+              <a:buChar char="Ø"/>
+            </a:pPr>
+            <a:r>
+              <a:rPr lang="en-US" dirty="0" smtClean="0"/>
+              <a:t>Points - game money</a:t>
+            </a:r>
+          </a:p>
+          <a:p>
+            <a:pPr>
+              <a:buFont typeface="Wingdings" panose="05000000000000000000" pitchFamily="2" charset="2"/>
+              <a:buChar char="Ø"/>
+            </a:pPr>
+            <a:endParaRPr lang="en-US" dirty="0" smtClean="0"/>
+          </a:p>
+          <a:p>
+            <a:pPr>
+              <a:buFont typeface="Wingdings" panose="05000000000000000000" pitchFamily="2" charset="2"/>
+              <a:buChar char="Ø"/>
+            </a:pPr>
+            <a:r>
+              <a:rPr lang="en-US" dirty="0" smtClean="0"/>
+              <a:t>In game purchases</a:t>
+            </a:r>
+          </a:p>
+          <a:p>
+            <a:pPr>
+              <a:buFont typeface="Wingdings" panose="05000000000000000000" pitchFamily="2" charset="2"/>
+              <a:buChar char="Ø"/>
+            </a:pPr>
+            <a:endParaRPr lang="en-US" dirty="0" smtClean="0"/>
           </a:p>
         </p:txBody>
       </p:sp>
     </p:spTree>
     <p:extLst>
       <p:ext uri="{BB962C8B-B14F-4D97-AF65-F5344CB8AC3E}">
-        <p14:creationId xmlns:p14="http://schemas.microsoft.com/office/powerpoint/2010/main" val="650644620"/>
+        <p14:creationId xmlns:p14="http://schemas.microsoft.com/office/powerpoint/2010/main" val="464830404"/>
+      </p:ext>
+    </p:extLst>
+  </p:cSld>
+  <p:clrMapOvr>
+    <a:masterClrMapping/>
+  </p:clrMapOvr>
+  <p:timing>
+    <p:tnLst>
+      <p:par>
+        <p:cTn id="1" dur="indefinite" restart="never" nodeType="tmRoot"/>
+      </p:par>
+    </p:tnLst>
+  </p:timing>
+</p:sld>
+</file>
+
+<file path=ppt/slides/slide7.xml><?xml version="1.0" encoding="utf-8"?>
+<p:sld xmlns:a="http://schemas.openxmlformats.org/drawingml/2006/main" xmlns:r="http://schemas.openxmlformats.org/officeDocument/2006/relationships" xmlns:p="http://schemas.openxmlformats.org/presentationml/2006/main">
+  <p:cSld>
+    <p:spTree>
+      <p:nvGrpSpPr>
+        <p:cNvPr id="1" name=""/>
+        <p:cNvGrpSpPr/>
+        <p:nvPr/>
+      </p:nvGrpSpPr>
+      <p:grpSpPr>
+        <a:xfrm>
+          <a:off x="0" y="0"/>
+          <a:ext cx="0" cy="0"/>
+          <a:chOff x="0" y="0"/>
+          <a:chExt cx="0" cy="0"/>
+        </a:xfrm>
+      </p:grpSpPr>
+      <p:sp>
+        <p:nvSpPr>
+          <p:cNvPr id="2" name="Title 1"/>
+          <p:cNvSpPr>
+            <a:spLocks noGrp="1"/>
+          </p:cNvSpPr>
+          <p:nvPr>
+            <p:ph type="title"/>
+          </p:nvPr>
+        </p:nvSpPr>
+        <p:spPr/>
+        <p:txBody>
+          <a:bodyPr/>
+          <a:lstStyle/>
+          <a:p>
+            <a:r>
+              <a:rPr lang="en-US" dirty="0" smtClean="0"/>
+              <a:t>Main Menu – shop, start, exit</a:t>
+            </a:r>
+            <a:endParaRPr lang="bg-BG" dirty="0"/>
+          </a:p>
+        </p:txBody>
+      </p:sp>
+      <p:pic>
+        <p:nvPicPr>
+          <p:cNvPr id="13" name="Content Placeholder 12"/>
+          <p:cNvPicPr>
+            <a:picLocks noGrp="1" noChangeAspect="1"/>
+          </p:cNvPicPr>
+          <p:nvPr>
+            <p:ph idx="1"/>
+          </p:nvPr>
+        </p:nvPicPr>
+        <p:blipFill>
+          <a:blip r:embed="rId2" cstate="print">
+            <a:extLst>
+              <a:ext uri="{28A0092B-C50C-407E-A947-70E740481C1C}">
+                <a14:useLocalDpi xmlns:a14="http://schemas.microsoft.com/office/drawing/2010/main" val="0"/>
+              </a:ext>
+            </a:extLst>
+          </a:blip>
+          <a:stretch>
+            <a:fillRect/>
+          </a:stretch>
+        </p:blipFill>
+        <p:spPr>
+          <a:xfrm>
+            <a:off x="3193961" y="2159610"/>
+            <a:ext cx="5679582" cy="3613295"/>
+          </a:xfrm>
+          <a:prstGeom prst="rect">
+            <a:avLst/>
+          </a:prstGeom>
+          <a:ln>
+            <a:noFill/>
+          </a:ln>
+          <a:effectLst>
+            <a:outerShdw blurRad="292100" dist="139700" dir="2700000" algn="tl" rotWithShape="0">
+              <a:srgbClr val="333333">
+                <a:alpha val="65000"/>
+              </a:srgbClr>
+            </a:outerShdw>
+          </a:effectLst>
+        </p:spPr>
+      </p:pic>
+    </p:spTree>
+    <p:extLst>
+      <p:ext uri="{BB962C8B-B14F-4D97-AF65-F5344CB8AC3E}">
+        <p14:creationId xmlns:p14="http://schemas.microsoft.com/office/powerpoint/2010/main" val="1205607986"/>
+      </p:ext>
+    </p:extLst>
+  </p:cSld>
+  <p:clrMapOvr>
+    <a:masterClrMapping/>
+  </p:clrMapOvr>
+  <p:timing>
+    <p:tnLst>
+      <p:par>
+        <p:cTn id="1" dur="indefinite" restart="never" nodeType="tmRoot"/>
+      </p:par>
+    </p:tnLst>
+  </p:timing>
+</p:sld>
+</file>
+
+<file path=ppt/slides/slide8.xml><?xml version="1.0" encoding="utf-8"?>
+<p:sld xmlns:a="http://schemas.openxmlformats.org/drawingml/2006/main" xmlns:r="http://schemas.openxmlformats.org/officeDocument/2006/relationships" xmlns:p="http://schemas.openxmlformats.org/presentationml/2006/main">
+  <p:cSld>
+    <p:spTree>
+      <p:nvGrpSpPr>
+        <p:cNvPr id="1" name=""/>
+        <p:cNvGrpSpPr/>
+        <p:nvPr/>
+      </p:nvGrpSpPr>
+      <p:grpSpPr>
+        <a:xfrm>
+          <a:off x="0" y="0"/>
+          <a:ext cx="0" cy="0"/>
+          <a:chOff x="0" y="0"/>
+          <a:chExt cx="0" cy="0"/>
+        </a:xfrm>
+      </p:grpSpPr>
+      <p:sp>
+        <p:nvSpPr>
+          <p:cNvPr id="2" name="Title 1"/>
+          <p:cNvSpPr>
+            <a:spLocks noGrp="1"/>
+          </p:cNvSpPr>
+          <p:nvPr>
+            <p:ph type="title"/>
+          </p:nvPr>
+        </p:nvSpPr>
+        <p:spPr/>
+        <p:txBody>
+          <a:bodyPr/>
+          <a:lstStyle/>
+          <a:p>
+            <a:r>
+              <a:rPr lang="en-US" dirty="0" smtClean="0"/>
+              <a:t>Shop</a:t>
+            </a:r>
+            <a:endParaRPr lang="bg-BG" dirty="0"/>
+          </a:p>
+        </p:txBody>
+      </p:sp>
+      <p:pic>
+        <p:nvPicPr>
+          <p:cNvPr id="7" name="Content Placeholder 6"/>
+          <p:cNvPicPr>
+            <a:picLocks noGrp="1" noChangeAspect="1"/>
+          </p:cNvPicPr>
+          <p:nvPr>
+            <p:ph idx="1"/>
+          </p:nvPr>
+        </p:nvPicPr>
+        <p:blipFill>
+          <a:blip r:embed="rId2" cstate="print">
+            <a:extLst>
+              <a:ext uri="{28A0092B-C50C-407E-A947-70E740481C1C}">
+                <a14:useLocalDpi xmlns:a14="http://schemas.microsoft.com/office/drawing/2010/main" val="0"/>
+              </a:ext>
+            </a:extLst>
+          </a:blip>
+          <a:stretch>
+            <a:fillRect/>
+          </a:stretch>
+        </p:blipFill>
+        <p:spPr>
+          <a:xfrm>
+            <a:off x="3232597" y="1592325"/>
+            <a:ext cx="7843233" cy="4991149"/>
+          </a:xfrm>
+        </p:spPr>
+      </p:pic>
+    </p:spTree>
+    <p:extLst>
+      <p:ext uri="{BB962C8B-B14F-4D97-AF65-F5344CB8AC3E}">
+        <p14:creationId xmlns:p14="http://schemas.microsoft.com/office/powerpoint/2010/main" val="43626812"/>
+      </p:ext>
+    </p:extLst>
+  </p:cSld>
+  <p:clrMapOvr>
+    <a:masterClrMapping/>
+  </p:clrMapOvr>
+  <p:timing>
+    <p:tnLst>
+      <p:par>
+        <p:cTn id="1" dur="indefinite" restart="never" nodeType="tmRoot"/>
+      </p:par>
+    </p:tnLst>
+  </p:timing>
+</p:sld>
+</file>
+
+<file path=ppt/slides/slide9.xml><?xml version="1.0" encoding="utf-8"?>
+<p:sld xmlns:a="http://schemas.openxmlformats.org/drawingml/2006/main" xmlns:r="http://schemas.openxmlformats.org/officeDocument/2006/relationships" xmlns:p="http://schemas.openxmlformats.org/presentationml/2006/main">
+  <p:cSld>
+    <p:spTree>
+      <p:nvGrpSpPr>
+        <p:cNvPr id="1" name=""/>
+        <p:cNvGrpSpPr/>
+        <p:nvPr/>
+      </p:nvGrpSpPr>
+      <p:grpSpPr>
+        <a:xfrm>
+          <a:off x="0" y="0"/>
+          <a:ext cx="0" cy="0"/>
+          <a:chOff x="0" y="0"/>
+          <a:chExt cx="0" cy="0"/>
+        </a:xfrm>
+      </p:grpSpPr>
+      <p:sp>
+        <p:nvSpPr>
+          <p:cNvPr id="2" name="Title 1"/>
+          <p:cNvSpPr>
+            <a:spLocks noGrp="1"/>
+          </p:cNvSpPr>
+          <p:nvPr>
+            <p:ph type="title"/>
+          </p:nvPr>
+        </p:nvSpPr>
+        <p:spPr/>
+        <p:txBody>
+          <a:bodyPr/>
+          <a:lstStyle/>
+          <a:p>
+            <a:r>
+              <a:rPr lang="bg-BG" dirty="0" smtClean="0"/>
+              <a:t>Използвани технологии</a:t>
+            </a:r>
+            <a:endParaRPr lang="bg-BG" dirty="0"/>
+          </a:p>
+        </p:txBody>
+      </p:sp>
+      <p:sp>
+        <p:nvSpPr>
+          <p:cNvPr id="3" name="Content Placeholder 2"/>
+          <p:cNvSpPr>
+            <a:spLocks noGrp="1"/>
+          </p:cNvSpPr>
+          <p:nvPr>
+            <p:ph idx="1"/>
+          </p:nvPr>
+        </p:nvSpPr>
+        <p:spPr/>
+        <p:txBody>
+          <a:bodyPr/>
+          <a:lstStyle/>
+          <a:p>
+            <a:pPr>
+              <a:buFont typeface="Arial" panose="020B0604020202020204" pitchFamily="34" charset="0"/>
+              <a:buChar char="•"/>
+            </a:pPr>
+            <a:r>
+              <a:rPr lang="bg-BG" dirty="0" smtClean="0"/>
+              <a:t>Технология</a:t>
+            </a:r>
+            <a:r>
+              <a:rPr lang="bg-BG" dirty="0" smtClean="0"/>
+              <a:t> </a:t>
+            </a:r>
+            <a:r>
+              <a:rPr lang="bg-BG" dirty="0" smtClean="0"/>
+              <a:t>за </a:t>
+            </a:r>
+            <a:r>
+              <a:rPr lang="bg-BG" dirty="0" smtClean="0"/>
+              <a:t>изпълнение на </a:t>
+            </a:r>
+            <a:r>
+              <a:rPr lang="bg-BG" dirty="0" smtClean="0"/>
+              <a:t>кода</a:t>
+            </a:r>
+            <a:r>
+              <a:rPr lang="en-US" dirty="0" smtClean="0"/>
+              <a:t>: </a:t>
+            </a:r>
+            <a:r>
+              <a:rPr lang="en-US" dirty="0" smtClean="0"/>
+              <a:t>Python</a:t>
+            </a:r>
+            <a:endParaRPr lang="bg-BG" dirty="0" smtClean="0"/>
+          </a:p>
+          <a:p>
+            <a:pPr lvl="1">
+              <a:buFont typeface="Arial" panose="020B0604020202020204" pitchFamily="34" charset="0"/>
+              <a:buChar char="•"/>
+            </a:pPr>
+            <a:r>
+              <a:rPr lang="en-US" dirty="0" smtClean="0"/>
+              <a:t>PyCharm</a:t>
+            </a:r>
+            <a:endParaRPr lang="bg-BG" dirty="0" smtClean="0"/>
+          </a:p>
+          <a:p>
+            <a:pPr lvl="1">
+              <a:buFont typeface="Arial" panose="020B0604020202020204" pitchFamily="34" charset="0"/>
+              <a:buChar char="•"/>
+            </a:pPr>
+            <a:r>
+              <a:rPr lang="en-US" dirty="0" smtClean="0"/>
+              <a:t>Python</a:t>
+            </a:r>
+            <a:r>
+              <a:rPr lang="bg-BG" dirty="0" smtClean="0"/>
+              <a:t> </a:t>
+            </a:r>
+            <a:r>
+              <a:rPr lang="en-US" dirty="0" smtClean="0"/>
+              <a:t>Shell</a:t>
+            </a:r>
+          </a:p>
+          <a:p>
+            <a:pPr>
+              <a:buFont typeface="Arial" panose="020B0604020202020204" pitchFamily="34" charset="0"/>
+              <a:buChar char="•"/>
+            </a:pPr>
+            <a:endParaRPr lang="en-US" dirty="0" smtClean="0"/>
+          </a:p>
+          <a:p>
+            <a:pPr>
+              <a:buFont typeface="Arial" panose="020B0604020202020204" pitchFamily="34" charset="0"/>
+              <a:buChar char="•"/>
+            </a:pPr>
+            <a:r>
+              <a:rPr lang="bg-BG" dirty="0" smtClean="0"/>
+              <a:t>Програми за създаване на графика – </a:t>
+            </a:r>
+            <a:r>
+              <a:rPr lang="en-US" dirty="0" smtClean="0"/>
+              <a:t>paint.net; paint; </a:t>
+            </a:r>
+            <a:r>
+              <a:rPr lang="en-US" dirty="0" smtClean="0"/>
+              <a:t>Krita\</a:t>
+            </a:r>
+          </a:p>
+          <a:p>
+            <a:pPr>
+              <a:buFont typeface="Arial" panose="020B0604020202020204" pitchFamily="34" charset="0"/>
+              <a:buChar char="•"/>
+            </a:pPr>
+            <a:endParaRPr lang="bg-BG" dirty="0" smtClean="0"/>
+          </a:p>
+          <a:p>
+            <a:pPr>
+              <a:buFont typeface="Arial" panose="020B0604020202020204" pitchFamily="34" charset="0"/>
+              <a:buChar char="•"/>
+            </a:pPr>
+            <a:r>
+              <a:rPr lang="bg-BG" dirty="0" smtClean="0"/>
+              <a:t>Звук – </a:t>
+            </a:r>
+            <a:r>
+              <a:rPr lang="en-US" dirty="0" smtClean="0"/>
+              <a:t>Sound Bible</a:t>
+            </a:r>
+            <a:endParaRPr lang="en-US" dirty="0" smtClean="0"/>
+          </a:p>
+          <a:p>
+            <a:pPr>
+              <a:buFont typeface="Arial" panose="020B0604020202020204" pitchFamily="34" charset="0"/>
+              <a:buChar char="•"/>
+            </a:pPr>
+            <a:endParaRPr lang="en-US" dirty="0"/>
+          </a:p>
+          <a:p>
+            <a:pPr>
+              <a:buFont typeface="Arial" panose="020B0604020202020204" pitchFamily="34" charset="0"/>
+              <a:buChar char="•"/>
+            </a:pPr>
+            <a:endParaRPr lang="bg-BG" dirty="0"/>
+          </a:p>
+        </p:txBody>
+      </p:sp>
+    </p:spTree>
+    <p:extLst>
+      <p:ext uri="{BB962C8B-B14F-4D97-AF65-F5344CB8AC3E}">
+        <p14:creationId xmlns:p14="http://schemas.microsoft.com/office/powerpoint/2010/main" val="3572151206"/>
       </p:ext>
     </p:extLst>
   </p:cSld>
